--- a/Document/les3/les3.pptx
+++ b/Document/les3/les3.pptx
@@ -106,6 +106,11 @@
       </a:defRPr>
     </a:lvl9pPr>
   </p:defaultTextStyle>
+  <p:extLst>
+    <p:ext uri="{EFAFB233-063F-42B5-8137-9DF3F51BA10A}">
+      <p15:sldGuideLst xmlns:p15="http://schemas.microsoft.com/office/powerpoint/2012/main"/>
+    </p:ext>
+  </p:extLst>
 </p:presentation>
 </file>
 
@@ -256,7 +261,7 @@
           <a:p>
             <a:fld id="{E2490D4C-C468-4899-816A-26C8B60A3056}" type="datetimeFigureOut">
               <a:rPr lang="zh-CN" altLang="en-US" smtClean="0"/>
-              <a:t>2019/7/4</a:t>
+              <a:t>2019/7/5</a:t>
             </a:fld>
             <a:endParaRPr lang="zh-CN" altLang="en-US"/>
           </a:p>
@@ -454,7 +459,7 @@
           <a:p>
             <a:fld id="{E2490D4C-C468-4899-816A-26C8B60A3056}" type="datetimeFigureOut">
               <a:rPr lang="zh-CN" altLang="en-US" smtClean="0"/>
-              <a:t>2019/7/4</a:t>
+              <a:t>2019/7/5</a:t>
             </a:fld>
             <a:endParaRPr lang="zh-CN" altLang="en-US"/>
           </a:p>
@@ -662,7 +667,7 @@
           <a:p>
             <a:fld id="{E2490D4C-C468-4899-816A-26C8B60A3056}" type="datetimeFigureOut">
               <a:rPr lang="zh-CN" altLang="en-US" smtClean="0"/>
-              <a:t>2019/7/4</a:t>
+              <a:t>2019/7/5</a:t>
             </a:fld>
             <a:endParaRPr lang="zh-CN" altLang="en-US"/>
           </a:p>
@@ -860,7 +865,7 @@
           <a:p>
             <a:fld id="{E2490D4C-C468-4899-816A-26C8B60A3056}" type="datetimeFigureOut">
               <a:rPr lang="zh-CN" altLang="en-US" smtClean="0"/>
-              <a:t>2019/7/4</a:t>
+              <a:t>2019/7/5</a:t>
             </a:fld>
             <a:endParaRPr lang="zh-CN" altLang="en-US"/>
           </a:p>
@@ -1135,7 +1140,7 @@
           <a:p>
             <a:fld id="{E2490D4C-C468-4899-816A-26C8B60A3056}" type="datetimeFigureOut">
               <a:rPr lang="zh-CN" altLang="en-US" smtClean="0"/>
-              <a:t>2019/7/4</a:t>
+              <a:t>2019/7/5</a:t>
             </a:fld>
             <a:endParaRPr lang="zh-CN" altLang="en-US"/>
           </a:p>
@@ -1400,7 +1405,7 @@
           <a:p>
             <a:fld id="{E2490D4C-C468-4899-816A-26C8B60A3056}" type="datetimeFigureOut">
               <a:rPr lang="zh-CN" altLang="en-US" smtClean="0"/>
-              <a:t>2019/7/4</a:t>
+              <a:t>2019/7/5</a:t>
             </a:fld>
             <a:endParaRPr lang="zh-CN" altLang="en-US"/>
           </a:p>
@@ -1812,7 +1817,7 @@
           <a:p>
             <a:fld id="{E2490D4C-C468-4899-816A-26C8B60A3056}" type="datetimeFigureOut">
               <a:rPr lang="zh-CN" altLang="en-US" smtClean="0"/>
-              <a:t>2019/7/4</a:t>
+              <a:t>2019/7/5</a:t>
             </a:fld>
             <a:endParaRPr lang="zh-CN" altLang="en-US"/>
           </a:p>
@@ -1953,7 +1958,7 @@
           <a:p>
             <a:fld id="{E2490D4C-C468-4899-816A-26C8B60A3056}" type="datetimeFigureOut">
               <a:rPr lang="zh-CN" altLang="en-US" smtClean="0"/>
-              <a:t>2019/7/4</a:t>
+              <a:t>2019/7/5</a:t>
             </a:fld>
             <a:endParaRPr lang="zh-CN" altLang="en-US"/>
           </a:p>
@@ -2066,7 +2071,7 @@
           <a:p>
             <a:fld id="{E2490D4C-C468-4899-816A-26C8B60A3056}" type="datetimeFigureOut">
               <a:rPr lang="zh-CN" altLang="en-US" smtClean="0"/>
-              <a:t>2019/7/4</a:t>
+              <a:t>2019/7/5</a:t>
             </a:fld>
             <a:endParaRPr lang="zh-CN" altLang="en-US"/>
           </a:p>
@@ -2377,7 +2382,7 @@
           <a:p>
             <a:fld id="{E2490D4C-C468-4899-816A-26C8B60A3056}" type="datetimeFigureOut">
               <a:rPr lang="zh-CN" altLang="en-US" smtClean="0"/>
-              <a:t>2019/7/4</a:t>
+              <a:t>2019/7/5</a:t>
             </a:fld>
             <a:endParaRPr lang="zh-CN" altLang="en-US"/>
           </a:p>
@@ -2665,7 +2670,7 @@
           <a:p>
             <a:fld id="{E2490D4C-C468-4899-816A-26C8B60A3056}" type="datetimeFigureOut">
               <a:rPr lang="zh-CN" altLang="en-US" smtClean="0"/>
-              <a:t>2019/7/4</a:t>
+              <a:t>2019/7/5</a:t>
             </a:fld>
             <a:endParaRPr lang="zh-CN" altLang="en-US"/>
           </a:p>
@@ -2906,7 +2911,7 @@
           <a:p>
             <a:fld id="{E2490D4C-C468-4899-816A-26C8B60A3056}" type="datetimeFigureOut">
               <a:rPr lang="zh-CN" altLang="en-US" smtClean="0"/>
-              <a:t>2019/7/4</a:t>
+              <a:t>2019/7/5</a:t>
             </a:fld>
             <a:endParaRPr lang="zh-CN" altLang="en-US"/>
           </a:p>
@@ -3530,10 +3535,38 @@
       </p:grpSpPr>
       <p:sp>
         <p:nvSpPr>
+          <p:cNvPr id="2" name="标题 1">
+            <a:extLst>
+              <a:ext uri="{FF2B5EF4-FFF2-40B4-BE49-F238E27FC236}">
+                <a16:creationId xmlns:a16="http://schemas.microsoft.com/office/drawing/2014/main" id="{E6686A4E-F0EA-46A7-A83F-EEA438540D59}"/>
+              </a:ext>
+            </a:extLst>
+          </p:cNvPr>
+          <p:cNvSpPr>
+            <a:spLocks noGrp="1"/>
+          </p:cNvSpPr>
+          <p:nvPr>
+            <p:ph type="title"/>
+          </p:nvPr>
+        </p:nvSpPr>
+        <p:spPr/>
+        <p:txBody>
+          <a:bodyPr/>
+          <a:lstStyle/>
+          <a:p>
+            <a:r>
+              <a:rPr lang="zh-CN" altLang="en-US" dirty="0"/>
+              <a:t>组件循环</a:t>
+            </a:r>
+          </a:p>
+        </p:txBody>
+      </p:sp>
+      <p:sp>
+        <p:nvSpPr>
           <p:cNvPr id="3" name="内容占位符 2">
             <a:extLst>
               <a:ext uri="{FF2B5EF4-FFF2-40B4-BE49-F238E27FC236}">
-                <a16:creationId xmlns:a16="http://schemas.microsoft.com/office/drawing/2014/main" id="{B8F525EF-E05E-4B55-BC66-CCC8E26AE555}"/>
+                <a16:creationId xmlns:a16="http://schemas.microsoft.com/office/drawing/2014/main" id="{66805DE8-F376-41EA-875F-3887E1996EDD}"/>
               </a:ext>
             </a:extLst>
           </p:cNvPr>
@@ -3544,16 +3577,43 @@
             <p:ph idx="1"/>
           </p:nvPr>
         </p:nvSpPr>
-        <p:spPr>
-          <a:xfrm>
-            <a:off x="838200" y="257452"/>
-            <a:ext cx="10515600" cy="5919511"/>
-          </a:xfrm>
-        </p:spPr>
-        <p:txBody>
-          <a:bodyPr/>
-          <a:lstStyle/>
-          <a:p>
+        <p:spPr/>
+        <p:txBody>
+          <a:bodyPr/>
+          <a:lstStyle/>
+          <a:p>
+            <a:r>
+              <a:rPr lang="en-US" altLang="zh-CN" dirty="0" err="1"/>
+              <a:t>UIMgr</a:t>
+            </a:r>
+            <a:endParaRPr lang="en-US" altLang="zh-CN" dirty="0"/>
+          </a:p>
+          <a:p>
+            <a:r>
+              <a:rPr lang="en-US" altLang="zh-CN" dirty="0" err="1"/>
+              <a:t>NetMgr</a:t>
+            </a:r>
+            <a:endParaRPr lang="en-US" altLang="zh-CN" dirty="0"/>
+          </a:p>
+          <a:p>
+            <a:r>
+              <a:rPr lang="en-US" altLang="zh-CN" dirty="0" err="1"/>
+              <a:t>SceneMgr</a:t>
+            </a:r>
+            <a:endParaRPr lang="en-US" altLang="zh-CN" dirty="0"/>
+          </a:p>
+          <a:p>
+            <a:r>
+              <a:rPr lang="en-US" altLang="zh-CN" dirty="0" err="1"/>
+              <a:t>ResourceMgr</a:t>
+            </a:r>
+            <a:endParaRPr lang="en-US" altLang="zh-CN" dirty="0"/>
+          </a:p>
+          <a:p>
+            <a:r>
+              <a:rPr lang="en-US" altLang="zh-CN" dirty="0" err="1"/>
+              <a:t>LocalData</a:t>
+            </a:r>
             <a:endParaRPr lang="zh-CN" altLang="en-US" dirty="0"/>
           </a:p>
         </p:txBody>
@@ -3561,7 +3621,7 @@
     </p:spTree>
     <p:extLst>
       <p:ext uri="{BB962C8B-B14F-4D97-AF65-F5344CB8AC3E}">
-        <p14:creationId xmlns:p14="http://schemas.microsoft.com/office/powerpoint/2010/main" val="4184323193"/>
+        <p14:creationId xmlns:p14="http://schemas.microsoft.com/office/powerpoint/2010/main" val="3537372987"/>
       </p:ext>
     </p:extLst>
   </p:cSld>

--- a/Document/les3/les3.pptx
+++ b/Document/les3/les3.pptx
@@ -8,6 +8,7 @@
     <p:sldId id="256" r:id="rId2"/>
     <p:sldId id="257" r:id="rId3"/>
     <p:sldId id="258" r:id="rId4"/>
+    <p:sldId id="259" r:id="rId5"/>
   </p:sldIdLst>
   <p:sldSz cx="12192000" cy="6858000"/>
   <p:notesSz cx="6858000" cy="9144000"/>
@@ -3631,6 +3632,68 @@
 </p:sld>
 </file>
 
+<file path=ppt/slides/slide4.xml><?xml version="1.0" encoding="utf-8"?>
+<p:sld xmlns:a="http://schemas.openxmlformats.org/drawingml/2006/main" xmlns:r="http://schemas.openxmlformats.org/officeDocument/2006/relationships" xmlns:p="http://schemas.openxmlformats.org/presentationml/2006/main">
+  <p:cSld>
+    <p:spTree>
+      <p:nvGrpSpPr>
+        <p:cNvPr id="1" name=""/>
+        <p:cNvGrpSpPr/>
+        <p:nvPr/>
+      </p:nvGrpSpPr>
+      <p:grpSpPr>
+        <a:xfrm>
+          <a:off x="0" y="0"/>
+          <a:ext cx="0" cy="0"/>
+          <a:chOff x="0" y="0"/>
+          <a:chExt cx="0" cy="0"/>
+        </a:xfrm>
+      </p:grpSpPr>
+      <p:pic>
+        <p:nvPicPr>
+          <p:cNvPr id="7" name="内容占位符 6">
+            <a:extLst>
+              <a:ext uri="{FF2B5EF4-FFF2-40B4-BE49-F238E27FC236}">
+                <a16:creationId xmlns:a16="http://schemas.microsoft.com/office/drawing/2014/main" id="{58BCFE37-6A6D-4742-9F7A-71E90750C0A3}"/>
+              </a:ext>
+            </a:extLst>
+          </p:cNvPr>
+          <p:cNvPicPr>
+            <a:picLocks noGrp="1" noChangeAspect="1"/>
+          </p:cNvPicPr>
+          <p:nvPr>
+            <p:ph idx="1"/>
+          </p:nvPr>
+        </p:nvPicPr>
+        <p:blipFill>
+          <a:blip r:embed="rId2"/>
+          <a:stretch>
+            <a:fillRect/>
+          </a:stretch>
+        </p:blipFill>
+        <p:spPr>
+          <a:xfrm>
+            <a:off x="825175" y="284084"/>
+            <a:ext cx="9224347" cy="6505401"/>
+          </a:xfrm>
+          <a:prstGeom prst="rect">
+            <a:avLst/>
+          </a:prstGeom>
+        </p:spPr>
+      </p:pic>
+    </p:spTree>
+    <p:extLst>
+      <p:ext uri="{BB962C8B-B14F-4D97-AF65-F5344CB8AC3E}">
+        <p14:creationId xmlns:p14="http://schemas.microsoft.com/office/powerpoint/2010/main" val="3383211905"/>
+      </p:ext>
+    </p:extLst>
+  </p:cSld>
+  <p:clrMapOvr>
+    <a:masterClrMapping/>
+  </p:clrMapOvr>
+</p:sld>
+</file>
+
 <file path=ppt/theme/theme1.xml><?xml version="1.0" encoding="utf-8"?>
 <a:theme xmlns:a="http://schemas.openxmlformats.org/drawingml/2006/main" name="Office 主题​​">
   <a:themeElements>

--- a/Document/les3/les3.pptx
+++ b/Document/les3/les3.pptx
@@ -1,14 +1,17 @@
 
 <file path=ppt/presentation.xml><?xml version="1.0" encoding="utf-8"?>
-<p:presentation xmlns:a="http://schemas.openxmlformats.org/drawingml/2006/main" xmlns:r="http://schemas.openxmlformats.org/officeDocument/2006/relationships" xmlns:p="http://schemas.openxmlformats.org/presentationml/2006/main" saveSubsetFonts="1">
+<p:presentation xmlns:a="http://schemas.openxmlformats.org/drawingml/2006/main" xmlns:r="http://schemas.openxmlformats.org/officeDocument/2006/relationships" xmlns:p="http://schemas.openxmlformats.org/presentationml/2006/main">
   <p:sldMasterIdLst>
     <p:sldMasterId id="2147483648" r:id="rId1"/>
   </p:sldMasterIdLst>
   <p:sldIdLst>
-    <p:sldId id="256" r:id="rId2"/>
-    <p:sldId id="257" r:id="rId3"/>
-    <p:sldId id="258" r:id="rId4"/>
-    <p:sldId id="259" r:id="rId5"/>
+    <p:sldId id="256" r:id="rId3"/>
+    <p:sldId id="257" r:id="rId4"/>
+    <p:sldId id="260" r:id="rId5"/>
+    <p:sldId id="258" r:id="rId6"/>
+    <p:sldId id="259" r:id="rId7"/>
+    <p:sldId id="261" r:id="rId8"/>
+    <p:sldId id="262" r:id="rId9"/>
   </p:sldIdLst>
   <p:sldSz cx="12192000" cy="6858000"/>
   <p:notesSz cx="6858000" cy="9144000"/>
@@ -107,11 +110,6 @@
       </a:defRPr>
     </a:lvl9pPr>
   </p:defaultTextStyle>
-  <p:extLst>
-    <p:ext uri="{EFAFB233-063F-42B5-8137-9DF3F51BA10A}">
-      <p15:sldGuideLst xmlns:p15="http://schemas.microsoft.com/office/powerpoint/2012/main"/>
-    </p:ext>
-  </p:extLst>
 </p:presentation>
 </file>
 
@@ -134,13 +132,7 @@
       </p:grpSpPr>
       <p:sp>
         <p:nvSpPr>
-          <p:cNvPr id="2" name="标题 1">
-            <a:extLst>
-              <a:ext uri="{FF2B5EF4-FFF2-40B4-BE49-F238E27FC236}">
-                <a16:creationId xmlns:a16="http://schemas.microsoft.com/office/drawing/2014/main" id="{18662461-91C2-43AB-8FC5-164A4294C81F}"/>
-              </a:ext>
-            </a:extLst>
-          </p:cNvPr>
+          <p:cNvPr id="2" name="标题 1"/>
           <p:cNvSpPr>
             <a:spLocks noGrp="1"/>
           </p:cNvSpPr>
@@ -166,18 +158,13 @@
               <a:rPr lang="zh-CN" altLang="en-US"/>
               <a:t>单击此处编辑母版标题样式</a:t>
             </a:r>
-          </a:p>
-        </p:txBody>
-      </p:sp>
-      <p:sp>
-        <p:nvSpPr>
-          <p:cNvPr id="3" name="副标题 2">
-            <a:extLst>
-              <a:ext uri="{FF2B5EF4-FFF2-40B4-BE49-F238E27FC236}">
-                <a16:creationId xmlns:a16="http://schemas.microsoft.com/office/drawing/2014/main" id="{BF2BC777-CE5A-4E97-A0EB-5CA6D7F1D1FB}"/>
-              </a:ext>
-            </a:extLst>
-          </p:cNvPr>
+            <a:endParaRPr lang="zh-CN" altLang="en-US"/>
+          </a:p>
+        </p:txBody>
+      </p:sp>
+      <p:sp>
+        <p:nvSpPr>
+          <p:cNvPr id="3" name="副标题 2"/>
           <p:cNvSpPr>
             <a:spLocks noGrp="1"/>
           </p:cNvSpPr>
@@ -236,18 +223,13 @@
               <a:rPr lang="zh-CN" altLang="en-US"/>
               <a:t>单击此处编辑母版副标题样式</a:t>
             </a:r>
-          </a:p>
-        </p:txBody>
-      </p:sp>
-      <p:sp>
-        <p:nvSpPr>
-          <p:cNvPr id="4" name="日期占位符 3">
-            <a:extLst>
-              <a:ext uri="{FF2B5EF4-FFF2-40B4-BE49-F238E27FC236}">
-                <a16:creationId xmlns:a16="http://schemas.microsoft.com/office/drawing/2014/main" id="{5E4F0192-C3F7-4873-A9FD-03A00B3BF7D4}"/>
-              </a:ext>
-            </a:extLst>
-          </p:cNvPr>
+            <a:endParaRPr lang="zh-CN" altLang="en-US"/>
+          </a:p>
+        </p:txBody>
+      </p:sp>
+      <p:sp>
+        <p:nvSpPr>
+          <p:cNvPr id="4" name="日期占位符 3"/>
           <p:cNvSpPr>
             <a:spLocks noGrp="1"/>
           </p:cNvSpPr>
@@ -262,7 +244,6 @@
           <a:p>
             <a:fld id="{E2490D4C-C468-4899-816A-26C8B60A3056}" type="datetimeFigureOut">
               <a:rPr lang="zh-CN" altLang="en-US" smtClean="0"/>
-              <a:t>2019/7/5</a:t>
             </a:fld>
             <a:endParaRPr lang="zh-CN" altLang="en-US"/>
           </a:p>
@@ -270,13 +251,7 @@
       </p:sp>
       <p:sp>
         <p:nvSpPr>
-          <p:cNvPr id="5" name="页脚占位符 4">
-            <a:extLst>
-              <a:ext uri="{FF2B5EF4-FFF2-40B4-BE49-F238E27FC236}">
-                <a16:creationId xmlns:a16="http://schemas.microsoft.com/office/drawing/2014/main" id="{82E6530E-804C-45AD-B248-5B86BAD07BED}"/>
-              </a:ext>
-            </a:extLst>
-          </p:cNvPr>
+          <p:cNvPr id="5" name="页脚占位符 4"/>
           <p:cNvSpPr>
             <a:spLocks noGrp="1"/>
           </p:cNvSpPr>
@@ -295,13 +270,7 @@
       </p:sp>
       <p:sp>
         <p:nvSpPr>
-          <p:cNvPr id="6" name="灯片编号占位符 5">
-            <a:extLst>
-              <a:ext uri="{FF2B5EF4-FFF2-40B4-BE49-F238E27FC236}">
-                <a16:creationId xmlns:a16="http://schemas.microsoft.com/office/drawing/2014/main" id="{FF9EA5FA-5441-4434-A4A6-70EAC4D585A5}"/>
-              </a:ext>
-            </a:extLst>
-          </p:cNvPr>
+          <p:cNvPr id="6" name="灯片编号占位符 5"/>
           <p:cNvSpPr>
             <a:spLocks noGrp="1"/>
           </p:cNvSpPr>
@@ -316,18 +285,12 @@
           <a:p>
             <a:fld id="{427457EE-FBC2-4CD6-A21B-4A04498CC66E}" type="slidenum">
               <a:rPr lang="zh-CN" altLang="en-US" smtClean="0"/>
-              <a:t>‹#›</a:t>
             </a:fld>
             <a:endParaRPr lang="zh-CN" altLang="en-US"/>
           </a:p>
         </p:txBody>
       </p:sp>
     </p:spTree>
-    <p:extLst>
-      <p:ext uri="{BB962C8B-B14F-4D97-AF65-F5344CB8AC3E}">
-        <p14:creationId xmlns:p14="http://schemas.microsoft.com/office/powerpoint/2010/main" val="1739800972"/>
-      </p:ext>
-    </p:extLst>
   </p:cSld>
   <p:clrMapOvr>
     <a:masterClrMapping/>
@@ -354,13 +317,7 @@
       </p:grpSpPr>
       <p:sp>
         <p:nvSpPr>
-          <p:cNvPr id="2" name="标题 1">
-            <a:extLst>
-              <a:ext uri="{FF2B5EF4-FFF2-40B4-BE49-F238E27FC236}">
-                <a16:creationId xmlns:a16="http://schemas.microsoft.com/office/drawing/2014/main" id="{76C38D7F-0A32-4B70-8A67-CEB70184C5D7}"/>
-              </a:ext>
-            </a:extLst>
-          </p:cNvPr>
+          <p:cNvPr id="2" name="标题 1"/>
           <p:cNvSpPr>
             <a:spLocks noGrp="1"/>
           </p:cNvSpPr>
@@ -377,18 +334,13 @@
               <a:rPr lang="zh-CN" altLang="en-US"/>
               <a:t>单击此处编辑母版标题样式</a:t>
             </a:r>
-          </a:p>
-        </p:txBody>
-      </p:sp>
-      <p:sp>
-        <p:nvSpPr>
-          <p:cNvPr id="3" name="竖排文字占位符 2">
-            <a:extLst>
-              <a:ext uri="{FF2B5EF4-FFF2-40B4-BE49-F238E27FC236}">
-                <a16:creationId xmlns:a16="http://schemas.microsoft.com/office/drawing/2014/main" id="{62D696D4-3050-4586-A509-D7063BBD35FB}"/>
-              </a:ext>
-            </a:extLst>
-          </p:cNvPr>
+            <a:endParaRPr lang="zh-CN" altLang="en-US"/>
+          </a:p>
+        </p:txBody>
+      </p:sp>
+      <p:sp>
+        <p:nvSpPr>
+          <p:cNvPr id="3" name="竖排文字占位符 2"/>
           <p:cNvSpPr>
             <a:spLocks noGrp="1"/>
           </p:cNvSpPr>
@@ -406,6 +358,7 @@
               <a:rPr lang="zh-CN" altLang="en-US"/>
               <a:t>单击此处编辑母版文本样式</a:t>
             </a:r>
+            <a:endParaRPr lang="zh-CN" altLang="en-US"/>
           </a:p>
           <a:p>
             <a:pPr lvl="1"/>
@@ -413,6 +366,7 @@
               <a:rPr lang="zh-CN" altLang="en-US"/>
               <a:t>二级</a:t>
             </a:r>
+            <a:endParaRPr lang="zh-CN" altLang="en-US"/>
           </a:p>
           <a:p>
             <a:pPr lvl="2"/>
@@ -420,6 +374,7 @@
               <a:rPr lang="zh-CN" altLang="en-US"/>
               <a:t>三级</a:t>
             </a:r>
+            <a:endParaRPr lang="zh-CN" altLang="en-US"/>
           </a:p>
           <a:p>
             <a:pPr lvl="3"/>
@@ -427,6 +382,7 @@
               <a:rPr lang="zh-CN" altLang="en-US"/>
               <a:t>四级</a:t>
             </a:r>
+            <a:endParaRPr lang="zh-CN" altLang="en-US"/>
           </a:p>
           <a:p>
             <a:pPr lvl="4"/>
@@ -434,18 +390,13 @@
               <a:rPr lang="zh-CN" altLang="en-US"/>
               <a:t>五级</a:t>
             </a:r>
-          </a:p>
-        </p:txBody>
-      </p:sp>
-      <p:sp>
-        <p:nvSpPr>
-          <p:cNvPr id="4" name="日期占位符 3">
-            <a:extLst>
-              <a:ext uri="{FF2B5EF4-FFF2-40B4-BE49-F238E27FC236}">
-                <a16:creationId xmlns:a16="http://schemas.microsoft.com/office/drawing/2014/main" id="{530D4500-98BB-44F3-A1DF-081067746AEC}"/>
-              </a:ext>
-            </a:extLst>
-          </p:cNvPr>
+            <a:endParaRPr lang="zh-CN" altLang="en-US"/>
+          </a:p>
+        </p:txBody>
+      </p:sp>
+      <p:sp>
+        <p:nvSpPr>
+          <p:cNvPr id="4" name="日期占位符 3"/>
           <p:cNvSpPr>
             <a:spLocks noGrp="1"/>
           </p:cNvSpPr>
@@ -460,7 +411,6 @@
           <a:p>
             <a:fld id="{E2490D4C-C468-4899-816A-26C8B60A3056}" type="datetimeFigureOut">
               <a:rPr lang="zh-CN" altLang="en-US" smtClean="0"/>
-              <a:t>2019/7/5</a:t>
             </a:fld>
             <a:endParaRPr lang="zh-CN" altLang="en-US"/>
           </a:p>
@@ -468,13 +418,7 @@
       </p:sp>
       <p:sp>
         <p:nvSpPr>
-          <p:cNvPr id="5" name="页脚占位符 4">
-            <a:extLst>
-              <a:ext uri="{FF2B5EF4-FFF2-40B4-BE49-F238E27FC236}">
-                <a16:creationId xmlns:a16="http://schemas.microsoft.com/office/drawing/2014/main" id="{A1533BB3-34FD-4BAE-89EF-8AC4834676A7}"/>
-              </a:ext>
-            </a:extLst>
-          </p:cNvPr>
+          <p:cNvPr id="5" name="页脚占位符 4"/>
           <p:cNvSpPr>
             <a:spLocks noGrp="1"/>
           </p:cNvSpPr>
@@ -493,13 +437,7 @@
       </p:sp>
       <p:sp>
         <p:nvSpPr>
-          <p:cNvPr id="6" name="灯片编号占位符 5">
-            <a:extLst>
-              <a:ext uri="{FF2B5EF4-FFF2-40B4-BE49-F238E27FC236}">
-                <a16:creationId xmlns:a16="http://schemas.microsoft.com/office/drawing/2014/main" id="{B565233E-E74E-4098-AB5C-DB53B96A424D}"/>
-              </a:ext>
-            </a:extLst>
-          </p:cNvPr>
+          <p:cNvPr id="6" name="灯片编号占位符 5"/>
           <p:cNvSpPr>
             <a:spLocks noGrp="1"/>
           </p:cNvSpPr>
@@ -514,18 +452,12 @@
           <a:p>
             <a:fld id="{427457EE-FBC2-4CD6-A21B-4A04498CC66E}" type="slidenum">
               <a:rPr lang="zh-CN" altLang="en-US" smtClean="0"/>
-              <a:t>‹#›</a:t>
             </a:fld>
             <a:endParaRPr lang="zh-CN" altLang="en-US"/>
           </a:p>
         </p:txBody>
       </p:sp>
     </p:spTree>
-    <p:extLst>
-      <p:ext uri="{BB962C8B-B14F-4D97-AF65-F5344CB8AC3E}">
-        <p14:creationId xmlns:p14="http://schemas.microsoft.com/office/powerpoint/2010/main" val="1647600894"/>
-      </p:ext>
-    </p:extLst>
   </p:cSld>
   <p:clrMapOvr>
     <a:masterClrMapping/>
@@ -552,13 +484,7 @@
       </p:grpSpPr>
       <p:sp>
         <p:nvSpPr>
-          <p:cNvPr id="2" name="竖排标题 1">
-            <a:extLst>
-              <a:ext uri="{FF2B5EF4-FFF2-40B4-BE49-F238E27FC236}">
-                <a16:creationId xmlns:a16="http://schemas.microsoft.com/office/drawing/2014/main" id="{96C9DACC-E5FC-4E18-8DE3-B36E2CA85FBE}"/>
-              </a:ext>
-            </a:extLst>
-          </p:cNvPr>
+          <p:cNvPr id="2" name="竖排标题 1"/>
           <p:cNvSpPr>
             <a:spLocks noGrp="1"/>
           </p:cNvSpPr>
@@ -580,18 +506,13 @@
               <a:rPr lang="zh-CN" altLang="en-US"/>
               <a:t>单击此处编辑母版标题样式</a:t>
             </a:r>
-          </a:p>
-        </p:txBody>
-      </p:sp>
-      <p:sp>
-        <p:nvSpPr>
-          <p:cNvPr id="3" name="竖排文字占位符 2">
-            <a:extLst>
-              <a:ext uri="{FF2B5EF4-FFF2-40B4-BE49-F238E27FC236}">
-                <a16:creationId xmlns:a16="http://schemas.microsoft.com/office/drawing/2014/main" id="{A9814596-F3AD-49FD-8BC9-A608BF2860C3}"/>
-              </a:ext>
-            </a:extLst>
-          </p:cNvPr>
+            <a:endParaRPr lang="zh-CN" altLang="en-US"/>
+          </a:p>
+        </p:txBody>
+      </p:sp>
+      <p:sp>
+        <p:nvSpPr>
+          <p:cNvPr id="3" name="竖排文字占位符 2"/>
           <p:cNvSpPr>
             <a:spLocks noGrp="1"/>
           </p:cNvSpPr>
@@ -614,6 +535,7 @@
               <a:rPr lang="zh-CN" altLang="en-US"/>
               <a:t>单击此处编辑母版文本样式</a:t>
             </a:r>
+            <a:endParaRPr lang="zh-CN" altLang="en-US"/>
           </a:p>
           <a:p>
             <a:pPr lvl="1"/>
@@ -621,6 +543,7 @@
               <a:rPr lang="zh-CN" altLang="en-US"/>
               <a:t>二级</a:t>
             </a:r>
+            <a:endParaRPr lang="zh-CN" altLang="en-US"/>
           </a:p>
           <a:p>
             <a:pPr lvl="2"/>
@@ -628,6 +551,7 @@
               <a:rPr lang="zh-CN" altLang="en-US"/>
               <a:t>三级</a:t>
             </a:r>
+            <a:endParaRPr lang="zh-CN" altLang="en-US"/>
           </a:p>
           <a:p>
             <a:pPr lvl="3"/>
@@ -635,6 +559,7 @@
               <a:rPr lang="zh-CN" altLang="en-US"/>
               <a:t>四级</a:t>
             </a:r>
+            <a:endParaRPr lang="zh-CN" altLang="en-US"/>
           </a:p>
           <a:p>
             <a:pPr lvl="4"/>
@@ -642,18 +567,13 @@
               <a:rPr lang="zh-CN" altLang="en-US"/>
               <a:t>五级</a:t>
             </a:r>
-          </a:p>
-        </p:txBody>
-      </p:sp>
-      <p:sp>
-        <p:nvSpPr>
-          <p:cNvPr id="4" name="日期占位符 3">
-            <a:extLst>
-              <a:ext uri="{FF2B5EF4-FFF2-40B4-BE49-F238E27FC236}">
-                <a16:creationId xmlns:a16="http://schemas.microsoft.com/office/drawing/2014/main" id="{2CB0C8F8-7333-4F4D-9B46-8A270A14B26F}"/>
-              </a:ext>
-            </a:extLst>
-          </p:cNvPr>
+            <a:endParaRPr lang="zh-CN" altLang="en-US"/>
+          </a:p>
+        </p:txBody>
+      </p:sp>
+      <p:sp>
+        <p:nvSpPr>
+          <p:cNvPr id="4" name="日期占位符 3"/>
           <p:cNvSpPr>
             <a:spLocks noGrp="1"/>
           </p:cNvSpPr>
@@ -668,7 +588,6 @@
           <a:p>
             <a:fld id="{E2490D4C-C468-4899-816A-26C8B60A3056}" type="datetimeFigureOut">
               <a:rPr lang="zh-CN" altLang="en-US" smtClean="0"/>
-              <a:t>2019/7/5</a:t>
             </a:fld>
             <a:endParaRPr lang="zh-CN" altLang="en-US"/>
           </a:p>
@@ -676,13 +595,7 @@
       </p:sp>
       <p:sp>
         <p:nvSpPr>
-          <p:cNvPr id="5" name="页脚占位符 4">
-            <a:extLst>
-              <a:ext uri="{FF2B5EF4-FFF2-40B4-BE49-F238E27FC236}">
-                <a16:creationId xmlns:a16="http://schemas.microsoft.com/office/drawing/2014/main" id="{8B571640-CF2A-402C-818D-599B558DFF1D}"/>
-              </a:ext>
-            </a:extLst>
-          </p:cNvPr>
+          <p:cNvPr id="5" name="页脚占位符 4"/>
           <p:cNvSpPr>
             <a:spLocks noGrp="1"/>
           </p:cNvSpPr>
@@ -701,13 +614,7 @@
       </p:sp>
       <p:sp>
         <p:nvSpPr>
-          <p:cNvPr id="6" name="灯片编号占位符 5">
-            <a:extLst>
-              <a:ext uri="{FF2B5EF4-FFF2-40B4-BE49-F238E27FC236}">
-                <a16:creationId xmlns:a16="http://schemas.microsoft.com/office/drawing/2014/main" id="{5486AFEC-EB2E-4AC2-A25D-42E3BDB69E33}"/>
-              </a:ext>
-            </a:extLst>
-          </p:cNvPr>
+          <p:cNvPr id="6" name="灯片编号占位符 5"/>
           <p:cNvSpPr>
             <a:spLocks noGrp="1"/>
           </p:cNvSpPr>
@@ -722,18 +629,12 @@
           <a:p>
             <a:fld id="{427457EE-FBC2-4CD6-A21B-4A04498CC66E}" type="slidenum">
               <a:rPr lang="zh-CN" altLang="en-US" smtClean="0"/>
-              <a:t>‹#›</a:t>
             </a:fld>
             <a:endParaRPr lang="zh-CN" altLang="en-US"/>
           </a:p>
         </p:txBody>
       </p:sp>
     </p:spTree>
-    <p:extLst>
-      <p:ext uri="{BB962C8B-B14F-4D97-AF65-F5344CB8AC3E}">
-        <p14:creationId xmlns:p14="http://schemas.microsoft.com/office/powerpoint/2010/main" val="4150834108"/>
-      </p:ext>
-    </p:extLst>
   </p:cSld>
   <p:clrMapOvr>
     <a:masterClrMapping/>
@@ -760,13 +661,7 @@
       </p:grpSpPr>
       <p:sp>
         <p:nvSpPr>
-          <p:cNvPr id="2" name="标题 1">
-            <a:extLst>
-              <a:ext uri="{FF2B5EF4-FFF2-40B4-BE49-F238E27FC236}">
-                <a16:creationId xmlns:a16="http://schemas.microsoft.com/office/drawing/2014/main" id="{C524D1A3-60B0-44E9-942E-686D5895CB04}"/>
-              </a:ext>
-            </a:extLst>
-          </p:cNvPr>
+          <p:cNvPr id="2" name="标题 1"/>
           <p:cNvSpPr>
             <a:spLocks noGrp="1"/>
           </p:cNvSpPr>
@@ -783,18 +678,13 @@
               <a:rPr lang="zh-CN" altLang="en-US"/>
               <a:t>单击此处编辑母版标题样式</a:t>
             </a:r>
-          </a:p>
-        </p:txBody>
-      </p:sp>
-      <p:sp>
-        <p:nvSpPr>
-          <p:cNvPr id="3" name="内容占位符 2">
-            <a:extLst>
-              <a:ext uri="{FF2B5EF4-FFF2-40B4-BE49-F238E27FC236}">
-                <a16:creationId xmlns:a16="http://schemas.microsoft.com/office/drawing/2014/main" id="{1333515F-9AD4-46CD-8D37-E1338FA43E15}"/>
-              </a:ext>
-            </a:extLst>
-          </p:cNvPr>
+            <a:endParaRPr lang="zh-CN" altLang="en-US"/>
+          </a:p>
+        </p:txBody>
+      </p:sp>
+      <p:sp>
+        <p:nvSpPr>
+          <p:cNvPr id="3" name="内容占位符 2"/>
           <p:cNvSpPr>
             <a:spLocks noGrp="1"/>
           </p:cNvSpPr>
@@ -812,6 +702,7 @@
               <a:rPr lang="zh-CN" altLang="en-US"/>
               <a:t>单击此处编辑母版文本样式</a:t>
             </a:r>
+            <a:endParaRPr lang="zh-CN" altLang="en-US"/>
           </a:p>
           <a:p>
             <a:pPr lvl="1"/>
@@ -819,6 +710,7 @@
               <a:rPr lang="zh-CN" altLang="en-US"/>
               <a:t>二级</a:t>
             </a:r>
+            <a:endParaRPr lang="zh-CN" altLang="en-US"/>
           </a:p>
           <a:p>
             <a:pPr lvl="2"/>
@@ -826,6 +718,7 @@
               <a:rPr lang="zh-CN" altLang="en-US"/>
               <a:t>三级</a:t>
             </a:r>
+            <a:endParaRPr lang="zh-CN" altLang="en-US"/>
           </a:p>
           <a:p>
             <a:pPr lvl="3"/>
@@ -833,6 +726,7 @@
               <a:rPr lang="zh-CN" altLang="en-US"/>
               <a:t>四级</a:t>
             </a:r>
+            <a:endParaRPr lang="zh-CN" altLang="en-US"/>
           </a:p>
           <a:p>
             <a:pPr lvl="4"/>
@@ -840,18 +734,13 @@
               <a:rPr lang="zh-CN" altLang="en-US"/>
               <a:t>五级</a:t>
             </a:r>
-          </a:p>
-        </p:txBody>
-      </p:sp>
-      <p:sp>
-        <p:nvSpPr>
-          <p:cNvPr id="4" name="日期占位符 3">
-            <a:extLst>
-              <a:ext uri="{FF2B5EF4-FFF2-40B4-BE49-F238E27FC236}">
-                <a16:creationId xmlns:a16="http://schemas.microsoft.com/office/drawing/2014/main" id="{817BF609-6EA3-4D26-9BAB-AA4157AE1168}"/>
-              </a:ext>
-            </a:extLst>
-          </p:cNvPr>
+            <a:endParaRPr lang="zh-CN" altLang="en-US"/>
+          </a:p>
+        </p:txBody>
+      </p:sp>
+      <p:sp>
+        <p:nvSpPr>
+          <p:cNvPr id="4" name="日期占位符 3"/>
           <p:cNvSpPr>
             <a:spLocks noGrp="1"/>
           </p:cNvSpPr>
@@ -866,7 +755,6 @@
           <a:p>
             <a:fld id="{E2490D4C-C468-4899-816A-26C8B60A3056}" type="datetimeFigureOut">
               <a:rPr lang="zh-CN" altLang="en-US" smtClean="0"/>
-              <a:t>2019/7/5</a:t>
             </a:fld>
             <a:endParaRPr lang="zh-CN" altLang="en-US"/>
           </a:p>
@@ -874,13 +762,7 @@
       </p:sp>
       <p:sp>
         <p:nvSpPr>
-          <p:cNvPr id="5" name="页脚占位符 4">
-            <a:extLst>
-              <a:ext uri="{FF2B5EF4-FFF2-40B4-BE49-F238E27FC236}">
-                <a16:creationId xmlns:a16="http://schemas.microsoft.com/office/drawing/2014/main" id="{79C8CF11-3BAE-48A9-B466-9EAF4E99519A}"/>
-              </a:ext>
-            </a:extLst>
-          </p:cNvPr>
+          <p:cNvPr id="5" name="页脚占位符 4"/>
           <p:cNvSpPr>
             <a:spLocks noGrp="1"/>
           </p:cNvSpPr>
@@ -899,13 +781,7 @@
       </p:sp>
       <p:sp>
         <p:nvSpPr>
-          <p:cNvPr id="6" name="灯片编号占位符 5">
-            <a:extLst>
-              <a:ext uri="{FF2B5EF4-FFF2-40B4-BE49-F238E27FC236}">
-                <a16:creationId xmlns:a16="http://schemas.microsoft.com/office/drawing/2014/main" id="{E485C37C-6BA1-450F-91B9-61F0D348CE41}"/>
-              </a:ext>
-            </a:extLst>
-          </p:cNvPr>
+          <p:cNvPr id="6" name="灯片编号占位符 5"/>
           <p:cNvSpPr>
             <a:spLocks noGrp="1"/>
           </p:cNvSpPr>
@@ -920,18 +796,12 @@
           <a:p>
             <a:fld id="{427457EE-FBC2-4CD6-A21B-4A04498CC66E}" type="slidenum">
               <a:rPr lang="zh-CN" altLang="en-US" smtClean="0"/>
-              <a:t>‹#›</a:t>
             </a:fld>
             <a:endParaRPr lang="zh-CN" altLang="en-US"/>
           </a:p>
         </p:txBody>
       </p:sp>
     </p:spTree>
-    <p:extLst>
-      <p:ext uri="{BB962C8B-B14F-4D97-AF65-F5344CB8AC3E}">
-        <p14:creationId xmlns:p14="http://schemas.microsoft.com/office/powerpoint/2010/main" val="2801695046"/>
-      </p:ext>
-    </p:extLst>
   </p:cSld>
   <p:clrMapOvr>
     <a:masterClrMapping/>
@@ -958,13 +828,7 @@
       </p:grpSpPr>
       <p:sp>
         <p:nvSpPr>
-          <p:cNvPr id="2" name="标题 1">
-            <a:extLst>
-              <a:ext uri="{FF2B5EF4-FFF2-40B4-BE49-F238E27FC236}">
-                <a16:creationId xmlns:a16="http://schemas.microsoft.com/office/drawing/2014/main" id="{DE5B9F10-FC1E-4D8E-8BAD-BCFBAD2337EB}"/>
-              </a:ext>
-            </a:extLst>
-          </p:cNvPr>
+          <p:cNvPr id="2" name="标题 1"/>
           <p:cNvSpPr>
             <a:spLocks noGrp="1"/>
           </p:cNvSpPr>
@@ -990,18 +854,13 @@
               <a:rPr lang="zh-CN" altLang="en-US"/>
               <a:t>单击此处编辑母版标题样式</a:t>
             </a:r>
-          </a:p>
-        </p:txBody>
-      </p:sp>
-      <p:sp>
-        <p:nvSpPr>
-          <p:cNvPr id="3" name="文本占位符 2">
-            <a:extLst>
-              <a:ext uri="{FF2B5EF4-FFF2-40B4-BE49-F238E27FC236}">
-                <a16:creationId xmlns:a16="http://schemas.microsoft.com/office/drawing/2014/main" id="{2A570E0E-FE0D-41CF-B881-20943598F561}"/>
-              </a:ext>
-            </a:extLst>
-          </p:cNvPr>
+            <a:endParaRPr lang="zh-CN" altLang="en-US"/>
+          </a:p>
+        </p:txBody>
+      </p:sp>
+      <p:sp>
+        <p:nvSpPr>
+          <p:cNvPr id="3" name="文本占位符 2"/>
           <p:cNvSpPr>
             <a:spLocks noGrp="1"/>
           </p:cNvSpPr>
@@ -1115,18 +974,13 @@
               <a:rPr lang="zh-CN" altLang="en-US"/>
               <a:t>单击此处编辑母版文本样式</a:t>
             </a:r>
-          </a:p>
-        </p:txBody>
-      </p:sp>
-      <p:sp>
-        <p:nvSpPr>
-          <p:cNvPr id="4" name="日期占位符 3">
-            <a:extLst>
-              <a:ext uri="{FF2B5EF4-FFF2-40B4-BE49-F238E27FC236}">
-                <a16:creationId xmlns:a16="http://schemas.microsoft.com/office/drawing/2014/main" id="{5FCFD03E-9143-469A-A579-BBD73CBC1B92}"/>
-              </a:ext>
-            </a:extLst>
-          </p:cNvPr>
+            <a:endParaRPr lang="zh-CN" altLang="en-US"/>
+          </a:p>
+        </p:txBody>
+      </p:sp>
+      <p:sp>
+        <p:nvSpPr>
+          <p:cNvPr id="4" name="日期占位符 3"/>
           <p:cNvSpPr>
             <a:spLocks noGrp="1"/>
           </p:cNvSpPr>
@@ -1141,7 +995,6 @@
           <a:p>
             <a:fld id="{E2490D4C-C468-4899-816A-26C8B60A3056}" type="datetimeFigureOut">
               <a:rPr lang="zh-CN" altLang="en-US" smtClean="0"/>
-              <a:t>2019/7/5</a:t>
             </a:fld>
             <a:endParaRPr lang="zh-CN" altLang="en-US"/>
           </a:p>
@@ -1149,13 +1002,7 @@
       </p:sp>
       <p:sp>
         <p:nvSpPr>
-          <p:cNvPr id="5" name="页脚占位符 4">
-            <a:extLst>
-              <a:ext uri="{FF2B5EF4-FFF2-40B4-BE49-F238E27FC236}">
-                <a16:creationId xmlns:a16="http://schemas.microsoft.com/office/drawing/2014/main" id="{BBABB9DF-6E14-46AE-9C28-D5AC57C0A2B1}"/>
-              </a:ext>
-            </a:extLst>
-          </p:cNvPr>
+          <p:cNvPr id="5" name="页脚占位符 4"/>
           <p:cNvSpPr>
             <a:spLocks noGrp="1"/>
           </p:cNvSpPr>
@@ -1174,13 +1021,7 @@
       </p:sp>
       <p:sp>
         <p:nvSpPr>
-          <p:cNvPr id="6" name="灯片编号占位符 5">
-            <a:extLst>
-              <a:ext uri="{FF2B5EF4-FFF2-40B4-BE49-F238E27FC236}">
-                <a16:creationId xmlns:a16="http://schemas.microsoft.com/office/drawing/2014/main" id="{F3C80254-7DBD-4504-A888-B36E135F4EF8}"/>
-              </a:ext>
-            </a:extLst>
-          </p:cNvPr>
+          <p:cNvPr id="6" name="灯片编号占位符 5"/>
           <p:cNvSpPr>
             <a:spLocks noGrp="1"/>
           </p:cNvSpPr>
@@ -1195,18 +1036,12 @@
           <a:p>
             <a:fld id="{427457EE-FBC2-4CD6-A21B-4A04498CC66E}" type="slidenum">
               <a:rPr lang="zh-CN" altLang="en-US" smtClean="0"/>
-              <a:t>‹#›</a:t>
             </a:fld>
             <a:endParaRPr lang="zh-CN" altLang="en-US"/>
           </a:p>
         </p:txBody>
       </p:sp>
     </p:spTree>
-    <p:extLst>
-      <p:ext uri="{BB962C8B-B14F-4D97-AF65-F5344CB8AC3E}">
-        <p14:creationId xmlns:p14="http://schemas.microsoft.com/office/powerpoint/2010/main" val="1466209112"/>
-      </p:ext>
-    </p:extLst>
   </p:cSld>
   <p:clrMapOvr>
     <a:masterClrMapping/>
@@ -1233,13 +1068,7 @@
       </p:grpSpPr>
       <p:sp>
         <p:nvSpPr>
-          <p:cNvPr id="2" name="标题 1">
-            <a:extLst>
-              <a:ext uri="{FF2B5EF4-FFF2-40B4-BE49-F238E27FC236}">
-                <a16:creationId xmlns:a16="http://schemas.microsoft.com/office/drawing/2014/main" id="{A62736BD-499D-407B-A80F-619F82D5626A}"/>
-              </a:ext>
-            </a:extLst>
-          </p:cNvPr>
+          <p:cNvPr id="2" name="标题 1"/>
           <p:cNvSpPr>
             <a:spLocks noGrp="1"/>
           </p:cNvSpPr>
@@ -1256,18 +1085,13 @@
               <a:rPr lang="zh-CN" altLang="en-US"/>
               <a:t>单击此处编辑母版标题样式</a:t>
             </a:r>
-          </a:p>
-        </p:txBody>
-      </p:sp>
-      <p:sp>
-        <p:nvSpPr>
-          <p:cNvPr id="3" name="内容占位符 2">
-            <a:extLst>
-              <a:ext uri="{FF2B5EF4-FFF2-40B4-BE49-F238E27FC236}">
-                <a16:creationId xmlns:a16="http://schemas.microsoft.com/office/drawing/2014/main" id="{C8ACD7F8-55C0-4A4A-8282-3BFA4CB7C9E6}"/>
-              </a:ext>
-            </a:extLst>
-          </p:cNvPr>
+            <a:endParaRPr lang="zh-CN" altLang="en-US"/>
+          </a:p>
+        </p:txBody>
+      </p:sp>
+      <p:sp>
+        <p:nvSpPr>
+          <p:cNvPr id="3" name="内容占位符 2"/>
           <p:cNvSpPr>
             <a:spLocks noGrp="1"/>
           </p:cNvSpPr>
@@ -1290,6 +1114,7 @@
               <a:rPr lang="zh-CN" altLang="en-US"/>
               <a:t>单击此处编辑母版文本样式</a:t>
             </a:r>
+            <a:endParaRPr lang="zh-CN" altLang="en-US"/>
           </a:p>
           <a:p>
             <a:pPr lvl="1"/>
@@ -1297,6 +1122,7 @@
               <a:rPr lang="zh-CN" altLang="en-US"/>
               <a:t>二级</a:t>
             </a:r>
+            <a:endParaRPr lang="zh-CN" altLang="en-US"/>
           </a:p>
           <a:p>
             <a:pPr lvl="2"/>
@@ -1304,6 +1130,7 @@
               <a:rPr lang="zh-CN" altLang="en-US"/>
               <a:t>三级</a:t>
             </a:r>
+            <a:endParaRPr lang="zh-CN" altLang="en-US"/>
           </a:p>
           <a:p>
             <a:pPr lvl="3"/>
@@ -1311,6 +1138,7 @@
               <a:rPr lang="zh-CN" altLang="en-US"/>
               <a:t>四级</a:t>
             </a:r>
+            <a:endParaRPr lang="zh-CN" altLang="en-US"/>
           </a:p>
           <a:p>
             <a:pPr lvl="4"/>
@@ -1318,18 +1146,13 @@
               <a:rPr lang="zh-CN" altLang="en-US"/>
               <a:t>五级</a:t>
             </a:r>
-          </a:p>
-        </p:txBody>
-      </p:sp>
-      <p:sp>
-        <p:nvSpPr>
-          <p:cNvPr id="4" name="内容占位符 3">
-            <a:extLst>
-              <a:ext uri="{FF2B5EF4-FFF2-40B4-BE49-F238E27FC236}">
-                <a16:creationId xmlns:a16="http://schemas.microsoft.com/office/drawing/2014/main" id="{93045D7E-90B4-4119-B661-72271CAAB495}"/>
-              </a:ext>
-            </a:extLst>
-          </p:cNvPr>
+            <a:endParaRPr lang="zh-CN" altLang="en-US"/>
+          </a:p>
+        </p:txBody>
+      </p:sp>
+      <p:sp>
+        <p:nvSpPr>
+          <p:cNvPr id="4" name="内容占位符 3"/>
           <p:cNvSpPr>
             <a:spLocks noGrp="1"/>
           </p:cNvSpPr>
@@ -1352,6 +1175,7 @@
               <a:rPr lang="zh-CN" altLang="en-US"/>
               <a:t>单击此处编辑母版文本样式</a:t>
             </a:r>
+            <a:endParaRPr lang="zh-CN" altLang="en-US"/>
           </a:p>
           <a:p>
             <a:pPr lvl="1"/>
@@ -1359,6 +1183,7 @@
               <a:rPr lang="zh-CN" altLang="en-US"/>
               <a:t>二级</a:t>
             </a:r>
+            <a:endParaRPr lang="zh-CN" altLang="en-US"/>
           </a:p>
           <a:p>
             <a:pPr lvl="2"/>
@@ -1366,6 +1191,7 @@
               <a:rPr lang="zh-CN" altLang="en-US"/>
               <a:t>三级</a:t>
             </a:r>
+            <a:endParaRPr lang="zh-CN" altLang="en-US"/>
           </a:p>
           <a:p>
             <a:pPr lvl="3"/>
@@ -1373,6 +1199,7 @@
               <a:rPr lang="zh-CN" altLang="en-US"/>
               <a:t>四级</a:t>
             </a:r>
+            <a:endParaRPr lang="zh-CN" altLang="en-US"/>
           </a:p>
           <a:p>
             <a:pPr lvl="4"/>
@@ -1380,18 +1207,13 @@
               <a:rPr lang="zh-CN" altLang="en-US"/>
               <a:t>五级</a:t>
             </a:r>
-          </a:p>
-        </p:txBody>
-      </p:sp>
-      <p:sp>
-        <p:nvSpPr>
-          <p:cNvPr id="5" name="日期占位符 4">
-            <a:extLst>
-              <a:ext uri="{FF2B5EF4-FFF2-40B4-BE49-F238E27FC236}">
-                <a16:creationId xmlns:a16="http://schemas.microsoft.com/office/drawing/2014/main" id="{D5896443-B3FC-4DB6-A9A2-43A6CD3157D9}"/>
-              </a:ext>
-            </a:extLst>
-          </p:cNvPr>
+            <a:endParaRPr lang="zh-CN" altLang="en-US"/>
+          </a:p>
+        </p:txBody>
+      </p:sp>
+      <p:sp>
+        <p:nvSpPr>
+          <p:cNvPr id="5" name="日期占位符 4"/>
           <p:cNvSpPr>
             <a:spLocks noGrp="1"/>
           </p:cNvSpPr>
@@ -1406,7 +1228,6 @@
           <a:p>
             <a:fld id="{E2490D4C-C468-4899-816A-26C8B60A3056}" type="datetimeFigureOut">
               <a:rPr lang="zh-CN" altLang="en-US" smtClean="0"/>
-              <a:t>2019/7/5</a:t>
             </a:fld>
             <a:endParaRPr lang="zh-CN" altLang="en-US"/>
           </a:p>
@@ -1414,13 +1235,7 @@
       </p:sp>
       <p:sp>
         <p:nvSpPr>
-          <p:cNvPr id="6" name="页脚占位符 5">
-            <a:extLst>
-              <a:ext uri="{FF2B5EF4-FFF2-40B4-BE49-F238E27FC236}">
-                <a16:creationId xmlns:a16="http://schemas.microsoft.com/office/drawing/2014/main" id="{8A28282F-82B9-4894-BC17-660A50E26B11}"/>
-              </a:ext>
-            </a:extLst>
-          </p:cNvPr>
+          <p:cNvPr id="6" name="页脚占位符 5"/>
           <p:cNvSpPr>
             <a:spLocks noGrp="1"/>
           </p:cNvSpPr>
@@ -1439,13 +1254,7 @@
       </p:sp>
       <p:sp>
         <p:nvSpPr>
-          <p:cNvPr id="7" name="灯片编号占位符 6">
-            <a:extLst>
-              <a:ext uri="{FF2B5EF4-FFF2-40B4-BE49-F238E27FC236}">
-                <a16:creationId xmlns:a16="http://schemas.microsoft.com/office/drawing/2014/main" id="{9A8062EE-36D2-4339-8AD5-21690B539CB8}"/>
-              </a:ext>
-            </a:extLst>
-          </p:cNvPr>
+          <p:cNvPr id="7" name="灯片编号占位符 6"/>
           <p:cNvSpPr>
             <a:spLocks noGrp="1"/>
           </p:cNvSpPr>
@@ -1460,18 +1269,12 @@
           <a:p>
             <a:fld id="{427457EE-FBC2-4CD6-A21B-4A04498CC66E}" type="slidenum">
               <a:rPr lang="zh-CN" altLang="en-US" smtClean="0"/>
-              <a:t>‹#›</a:t>
             </a:fld>
             <a:endParaRPr lang="zh-CN" altLang="en-US"/>
           </a:p>
         </p:txBody>
       </p:sp>
     </p:spTree>
-    <p:extLst>
-      <p:ext uri="{BB962C8B-B14F-4D97-AF65-F5344CB8AC3E}">
-        <p14:creationId xmlns:p14="http://schemas.microsoft.com/office/powerpoint/2010/main" val="270672894"/>
-      </p:ext>
-    </p:extLst>
   </p:cSld>
   <p:clrMapOvr>
     <a:masterClrMapping/>
@@ -1498,13 +1301,7 @@
       </p:grpSpPr>
       <p:sp>
         <p:nvSpPr>
-          <p:cNvPr id="2" name="标题 1">
-            <a:extLst>
-              <a:ext uri="{FF2B5EF4-FFF2-40B4-BE49-F238E27FC236}">
-                <a16:creationId xmlns:a16="http://schemas.microsoft.com/office/drawing/2014/main" id="{00B0ADBF-830B-4E5D-9AF7-1351DC29023D}"/>
-              </a:ext>
-            </a:extLst>
-          </p:cNvPr>
+          <p:cNvPr id="2" name="标题 1"/>
           <p:cNvSpPr>
             <a:spLocks noGrp="1"/>
           </p:cNvSpPr>
@@ -1526,18 +1323,13 @@
               <a:rPr lang="zh-CN" altLang="en-US"/>
               <a:t>单击此处编辑母版标题样式</a:t>
             </a:r>
-          </a:p>
-        </p:txBody>
-      </p:sp>
-      <p:sp>
-        <p:nvSpPr>
-          <p:cNvPr id="3" name="文本占位符 2">
-            <a:extLst>
-              <a:ext uri="{FF2B5EF4-FFF2-40B4-BE49-F238E27FC236}">
-                <a16:creationId xmlns:a16="http://schemas.microsoft.com/office/drawing/2014/main" id="{6E01379E-AE90-4234-97D0-A6167BA0F303}"/>
-              </a:ext>
-            </a:extLst>
-          </p:cNvPr>
+            <a:endParaRPr lang="zh-CN" altLang="en-US"/>
+          </a:p>
+        </p:txBody>
+      </p:sp>
+      <p:sp>
+        <p:nvSpPr>
+          <p:cNvPr id="3" name="文本占位符 2"/>
           <p:cNvSpPr>
             <a:spLocks noGrp="1"/>
           </p:cNvSpPr>
@@ -1597,18 +1389,13 @@
               <a:rPr lang="zh-CN" altLang="en-US"/>
               <a:t>单击此处编辑母版文本样式</a:t>
             </a:r>
-          </a:p>
-        </p:txBody>
-      </p:sp>
-      <p:sp>
-        <p:nvSpPr>
-          <p:cNvPr id="4" name="内容占位符 3">
-            <a:extLst>
-              <a:ext uri="{FF2B5EF4-FFF2-40B4-BE49-F238E27FC236}">
-                <a16:creationId xmlns:a16="http://schemas.microsoft.com/office/drawing/2014/main" id="{A3CC5256-9D3D-4C6C-B8B2-04342EDD53CF}"/>
-              </a:ext>
-            </a:extLst>
-          </p:cNvPr>
+            <a:endParaRPr lang="zh-CN" altLang="en-US"/>
+          </a:p>
+        </p:txBody>
+      </p:sp>
+      <p:sp>
+        <p:nvSpPr>
+          <p:cNvPr id="4" name="内容占位符 3"/>
           <p:cNvSpPr>
             <a:spLocks noGrp="1"/>
           </p:cNvSpPr>
@@ -1631,6 +1418,7 @@
               <a:rPr lang="zh-CN" altLang="en-US"/>
               <a:t>单击此处编辑母版文本样式</a:t>
             </a:r>
+            <a:endParaRPr lang="zh-CN" altLang="en-US"/>
           </a:p>
           <a:p>
             <a:pPr lvl="1"/>
@@ -1638,6 +1426,7 @@
               <a:rPr lang="zh-CN" altLang="en-US"/>
               <a:t>二级</a:t>
             </a:r>
+            <a:endParaRPr lang="zh-CN" altLang="en-US"/>
           </a:p>
           <a:p>
             <a:pPr lvl="2"/>
@@ -1645,6 +1434,7 @@
               <a:rPr lang="zh-CN" altLang="en-US"/>
               <a:t>三级</a:t>
             </a:r>
+            <a:endParaRPr lang="zh-CN" altLang="en-US"/>
           </a:p>
           <a:p>
             <a:pPr lvl="3"/>
@@ -1652,6 +1442,7 @@
               <a:rPr lang="zh-CN" altLang="en-US"/>
               <a:t>四级</a:t>
             </a:r>
+            <a:endParaRPr lang="zh-CN" altLang="en-US"/>
           </a:p>
           <a:p>
             <a:pPr lvl="4"/>
@@ -1659,18 +1450,13 @@
               <a:rPr lang="zh-CN" altLang="en-US"/>
               <a:t>五级</a:t>
             </a:r>
-          </a:p>
-        </p:txBody>
-      </p:sp>
-      <p:sp>
-        <p:nvSpPr>
-          <p:cNvPr id="5" name="文本占位符 4">
-            <a:extLst>
-              <a:ext uri="{FF2B5EF4-FFF2-40B4-BE49-F238E27FC236}">
-                <a16:creationId xmlns:a16="http://schemas.microsoft.com/office/drawing/2014/main" id="{31159CD6-E3A9-4C9E-B3DC-D58507172FBE}"/>
-              </a:ext>
-            </a:extLst>
-          </p:cNvPr>
+            <a:endParaRPr lang="zh-CN" altLang="en-US"/>
+          </a:p>
+        </p:txBody>
+      </p:sp>
+      <p:sp>
+        <p:nvSpPr>
+          <p:cNvPr id="5" name="文本占位符 4"/>
           <p:cNvSpPr>
             <a:spLocks noGrp="1"/>
           </p:cNvSpPr>
@@ -1730,18 +1516,13 @@
               <a:rPr lang="zh-CN" altLang="en-US"/>
               <a:t>单击此处编辑母版文本样式</a:t>
             </a:r>
-          </a:p>
-        </p:txBody>
-      </p:sp>
-      <p:sp>
-        <p:nvSpPr>
-          <p:cNvPr id="6" name="内容占位符 5">
-            <a:extLst>
-              <a:ext uri="{FF2B5EF4-FFF2-40B4-BE49-F238E27FC236}">
-                <a16:creationId xmlns:a16="http://schemas.microsoft.com/office/drawing/2014/main" id="{D303B202-2114-424D-8A86-784C28FD3620}"/>
-              </a:ext>
-            </a:extLst>
-          </p:cNvPr>
+            <a:endParaRPr lang="zh-CN" altLang="en-US"/>
+          </a:p>
+        </p:txBody>
+      </p:sp>
+      <p:sp>
+        <p:nvSpPr>
+          <p:cNvPr id="6" name="内容占位符 5"/>
           <p:cNvSpPr>
             <a:spLocks noGrp="1"/>
           </p:cNvSpPr>
@@ -1764,6 +1545,7 @@
               <a:rPr lang="zh-CN" altLang="en-US"/>
               <a:t>单击此处编辑母版文本样式</a:t>
             </a:r>
+            <a:endParaRPr lang="zh-CN" altLang="en-US"/>
           </a:p>
           <a:p>
             <a:pPr lvl="1"/>
@@ -1771,6 +1553,7 @@
               <a:rPr lang="zh-CN" altLang="en-US"/>
               <a:t>二级</a:t>
             </a:r>
+            <a:endParaRPr lang="zh-CN" altLang="en-US"/>
           </a:p>
           <a:p>
             <a:pPr lvl="2"/>
@@ -1778,6 +1561,7 @@
               <a:rPr lang="zh-CN" altLang="en-US"/>
               <a:t>三级</a:t>
             </a:r>
+            <a:endParaRPr lang="zh-CN" altLang="en-US"/>
           </a:p>
           <a:p>
             <a:pPr lvl="3"/>
@@ -1785,6 +1569,7 @@
               <a:rPr lang="zh-CN" altLang="en-US"/>
               <a:t>四级</a:t>
             </a:r>
+            <a:endParaRPr lang="zh-CN" altLang="en-US"/>
           </a:p>
           <a:p>
             <a:pPr lvl="4"/>
@@ -1792,18 +1577,13 @@
               <a:rPr lang="zh-CN" altLang="en-US"/>
               <a:t>五级</a:t>
             </a:r>
-          </a:p>
-        </p:txBody>
-      </p:sp>
-      <p:sp>
-        <p:nvSpPr>
-          <p:cNvPr id="7" name="日期占位符 6">
-            <a:extLst>
-              <a:ext uri="{FF2B5EF4-FFF2-40B4-BE49-F238E27FC236}">
-                <a16:creationId xmlns:a16="http://schemas.microsoft.com/office/drawing/2014/main" id="{8DADA7B3-6FEE-4E4B-9233-3FCD76704447}"/>
-              </a:ext>
-            </a:extLst>
-          </p:cNvPr>
+            <a:endParaRPr lang="zh-CN" altLang="en-US"/>
+          </a:p>
+        </p:txBody>
+      </p:sp>
+      <p:sp>
+        <p:nvSpPr>
+          <p:cNvPr id="7" name="日期占位符 6"/>
           <p:cNvSpPr>
             <a:spLocks noGrp="1"/>
           </p:cNvSpPr>
@@ -1818,7 +1598,6 @@
           <a:p>
             <a:fld id="{E2490D4C-C468-4899-816A-26C8B60A3056}" type="datetimeFigureOut">
               <a:rPr lang="zh-CN" altLang="en-US" smtClean="0"/>
-              <a:t>2019/7/5</a:t>
             </a:fld>
             <a:endParaRPr lang="zh-CN" altLang="en-US"/>
           </a:p>
@@ -1826,13 +1605,7 @@
       </p:sp>
       <p:sp>
         <p:nvSpPr>
-          <p:cNvPr id="8" name="页脚占位符 7">
-            <a:extLst>
-              <a:ext uri="{FF2B5EF4-FFF2-40B4-BE49-F238E27FC236}">
-                <a16:creationId xmlns:a16="http://schemas.microsoft.com/office/drawing/2014/main" id="{A3B65268-BDBF-4A0A-96EA-AE0B7D47853E}"/>
-              </a:ext>
-            </a:extLst>
-          </p:cNvPr>
+          <p:cNvPr id="8" name="页脚占位符 7"/>
           <p:cNvSpPr>
             <a:spLocks noGrp="1"/>
           </p:cNvSpPr>
@@ -1851,13 +1624,7 @@
       </p:sp>
       <p:sp>
         <p:nvSpPr>
-          <p:cNvPr id="9" name="灯片编号占位符 8">
-            <a:extLst>
-              <a:ext uri="{FF2B5EF4-FFF2-40B4-BE49-F238E27FC236}">
-                <a16:creationId xmlns:a16="http://schemas.microsoft.com/office/drawing/2014/main" id="{53A9A7E5-95A3-4733-8ADE-E7171E64B78F}"/>
-              </a:ext>
-            </a:extLst>
-          </p:cNvPr>
+          <p:cNvPr id="9" name="灯片编号占位符 8"/>
           <p:cNvSpPr>
             <a:spLocks noGrp="1"/>
           </p:cNvSpPr>
@@ -1872,18 +1639,12 @@
           <a:p>
             <a:fld id="{427457EE-FBC2-4CD6-A21B-4A04498CC66E}" type="slidenum">
               <a:rPr lang="zh-CN" altLang="en-US" smtClean="0"/>
-              <a:t>‹#›</a:t>
             </a:fld>
             <a:endParaRPr lang="zh-CN" altLang="en-US"/>
           </a:p>
         </p:txBody>
       </p:sp>
     </p:spTree>
-    <p:extLst>
-      <p:ext uri="{BB962C8B-B14F-4D97-AF65-F5344CB8AC3E}">
-        <p14:creationId xmlns:p14="http://schemas.microsoft.com/office/powerpoint/2010/main" val="1743229539"/>
-      </p:ext>
-    </p:extLst>
   </p:cSld>
   <p:clrMapOvr>
     <a:masterClrMapping/>
@@ -1910,13 +1671,7 @@
       </p:grpSpPr>
       <p:sp>
         <p:nvSpPr>
-          <p:cNvPr id="2" name="标题 1">
-            <a:extLst>
-              <a:ext uri="{FF2B5EF4-FFF2-40B4-BE49-F238E27FC236}">
-                <a16:creationId xmlns:a16="http://schemas.microsoft.com/office/drawing/2014/main" id="{766B2098-EC53-4C32-AAAE-33D68CBD2EEB}"/>
-              </a:ext>
-            </a:extLst>
-          </p:cNvPr>
+          <p:cNvPr id="2" name="标题 1"/>
           <p:cNvSpPr>
             <a:spLocks noGrp="1"/>
           </p:cNvSpPr>
@@ -1933,18 +1688,13 @@
               <a:rPr lang="zh-CN" altLang="en-US"/>
               <a:t>单击此处编辑母版标题样式</a:t>
             </a:r>
-          </a:p>
-        </p:txBody>
-      </p:sp>
-      <p:sp>
-        <p:nvSpPr>
-          <p:cNvPr id="3" name="日期占位符 2">
-            <a:extLst>
-              <a:ext uri="{FF2B5EF4-FFF2-40B4-BE49-F238E27FC236}">
-                <a16:creationId xmlns:a16="http://schemas.microsoft.com/office/drawing/2014/main" id="{CF4E81BD-20B3-41D7-B1BA-0C2B59968669}"/>
-              </a:ext>
-            </a:extLst>
-          </p:cNvPr>
+            <a:endParaRPr lang="zh-CN" altLang="en-US"/>
+          </a:p>
+        </p:txBody>
+      </p:sp>
+      <p:sp>
+        <p:nvSpPr>
+          <p:cNvPr id="3" name="日期占位符 2"/>
           <p:cNvSpPr>
             <a:spLocks noGrp="1"/>
           </p:cNvSpPr>
@@ -1959,7 +1709,6 @@
           <a:p>
             <a:fld id="{E2490D4C-C468-4899-816A-26C8B60A3056}" type="datetimeFigureOut">
               <a:rPr lang="zh-CN" altLang="en-US" smtClean="0"/>
-              <a:t>2019/7/5</a:t>
             </a:fld>
             <a:endParaRPr lang="zh-CN" altLang="en-US"/>
           </a:p>
@@ -1967,13 +1716,7 @@
       </p:sp>
       <p:sp>
         <p:nvSpPr>
-          <p:cNvPr id="4" name="页脚占位符 3">
-            <a:extLst>
-              <a:ext uri="{FF2B5EF4-FFF2-40B4-BE49-F238E27FC236}">
-                <a16:creationId xmlns:a16="http://schemas.microsoft.com/office/drawing/2014/main" id="{5188A78F-E6A6-45A4-821F-76C4E3C0472C}"/>
-              </a:ext>
-            </a:extLst>
-          </p:cNvPr>
+          <p:cNvPr id="4" name="页脚占位符 3"/>
           <p:cNvSpPr>
             <a:spLocks noGrp="1"/>
           </p:cNvSpPr>
@@ -1992,13 +1735,7 @@
       </p:sp>
       <p:sp>
         <p:nvSpPr>
-          <p:cNvPr id="5" name="灯片编号占位符 4">
-            <a:extLst>
-              <a:ext uri="{FF2B5EF4-FFF2-40B4-BE49-F238E27FC236}">
-                <a16:creationId xmlns:a16="http://schemas.microsoft.com/office/drawing/2014/main" id="{C9440F38-1EDF-457E-8E53-B7C694DA7DFF}"/>
-              </a:ext>
-            </a:extLst>
-          </p:cNvPr>
+          <p:cNvPr id="5" name="灯片编号占位符 4"/>
           <p:cNvSpPr>
             <a:spLocks noGrp="1"/>
           </p:cNvSpPr>
@@ -2013,18 +1750,12 @@
           <a:p>
             <a:fld id="{427457EE-FBC2-4CD6-A21B-4A04498CC66E}" type="slidenum">
               <a:rPr lang="zh-CN" altLang="en-US" smtClean="0"/>
-              <a:t>‹#›</a:t>
             </a:fld>
             <a:endParaRPr lang="zh-CN" altLang="en-US"/>
           </a:p>
         </p:txBody>
       </p:sp>
     </p:spTree>
-    <p:extLst>
-      <p:ext uri="{BB962C8B-B14F-4D97-AF65-F5344CB8AC3E}">
-        <p14:creationId xmlns:p14="http://schemas.microsoft.com/office/powerpoint/2010/main" val="5611634"/>
-      </p:ext>
-    </p:extLst>
   </p:cSld>
   <p:clrMapOvr>
     <a:masterClrMapping/>
@@ -2051,13 +1782,7 @@
       </p:grpSpPr>
       <p:sp>
         <p:nvSpPr>
-          <p:cNvPr id="2" name="日期占位符 1">
-            <a:extLst>
-              <a:ext uri="{FF2B5EF4-FFF2-40B4-BE49-F238E27FC236}">
-                <a16:creationId xmlns:a16="http://schemas.microsoft.com/office/drawing/2014/main" id="{5AA160EF-99F3-4C33-9CEC-F180BDB56E3C}"/>
-              </a:ext>
-            </a:extLst>
-          </p:cNvPr>
+          <p:cNvPr id="2" name="日期占位符 1"/>
           <p:cNvSpPr>
             <a:spLocks noGrp="1"/>
           </p:cNvSpPr>
@@ -2072,7 +1797,6 @@
           <a:p>
             <a:fld id="{E2490D4C-C468-4899-816A-26C8B60A3056}" type="datetimeFigureOut">
               <a:rPr lang="zh-CN" altLang="en-US" smtClean="0"/>
-              <a:t>2019/7/5</a:t>
             </a:fld>
             <a:endParaRPr lang="zh-CN" altLang="en-US"/>
           </a:p>
@@ -2080,13 +1804,7 @@
       </p:sp>
       <p:sp>
         <p:nvSpPr>
-          <p:cNvPr id="3" name="页脚占位符 2">
-            <a:extLst>
-              <a:ext uri="{FF2B5EF4-FFF2-40B4-BE49-F238E27FC236}">
-                <a16:creationId xmlns:a16="http://schemas.microsoft.com/office/drawing/2014/main" id="{7B8ED23D-66DE-4602-92D7-3A5B060DE9F0}"/>
-              </a:ext>
-            </a:extLst>
-          </p:cNvPr>
+          <p:cNvPr id="3" name="页脚占位符 2"/>
           <p:cNvSpPr>
             <a:spLocks noGrp="1"/>
           </p:cNvSpPr>
@@ -2105,13 +1823,7 @@
       </p:sp>
       <p:sp>
         <p:nvSpPr>
-          <p:cNvPr id="4" name="灯片编号占位符 3">
-            <a:extLst>
-              <a:ext uri="{FF2B5EF4-FFF2-40B4-BE49-F238E27FC236}">
-                <a16:creationId xmlns:a16="http://schemas.microsoft.com/office/drawing/2014/main" id="{8B0F7E79-A1CB-40AC-BCB9-B30BEF65667E}"/>
-              </a:ext>
-            </a:extLst>
-          </p:cNvPr>
+          <p:cNvPr id="4" name="灯片编号占位符 3"/>
           <p:cNvSpPr>
             <a:spLocks noGrp="1"/>
           </p:cNvSpPr>
@@ -2126,18 +1838,12 @@
           <a:p>
             <a:fld id="{427457EE-FBC2-4CD6-A21B-4A04498CC66E}" type="slidenum">
               <a:rPr lang="zh-CN" altLang="en-US" smtClean="0"/>
-              <a:t>‹#›</a:t>
             </a:fld>
             <a:endParaRPr lang="zh-CN" altLang="en-US"/>
           </a:p>
         </p:txBody>
       </p:sp>
     </p:spTree>
-    <p:extLst>
-      <p:ext uri="{BB962C8B-B14F-4D97-AF65-F5344CB8AC3E}">
-        <p14:creationId xmlns:p14="http://schemas.microsoft.com/office/powerpoint/2010/main" val="546320283"/>
-      </p:ext>
-    </p:extLst>
   </p:cSld>
   <p:clrMapOvr>
     <a:masterClrMapping/>
@@ -2164,13 +1870,7 @@
       </p:grpSpPr>
       <p:sp>
         <p:nvSpPr>
-          <p:cNvPr id="2" name="标题 1">
-            <a:extLst>
-              <a:ext uri="{FF2B5EF4-FFF2-40B4-BE49-F238E27FC236}">
-                <a16:creationId xmlns:a16="http://schemas.microsoft.com/office/drawing/2014/main" id="{7BEDE1CC-8263-4428-B9E0-C13BBBCEFC79}"/>
-              </a:ext>
-            </a:extLst>
-          </p:cNvPr>
+          <p:cNvPr id="2" name="标题 1"/>
           <p:cNvSpPr>
             <a:spLocks noGrp="1"/>
           </p:cNvSpPr>
@@ -2196,18 +1896,13 @@
               <a:rPr lang="zh-CN" altLang="en-US"/>
               <a:t>单击此处编辑母版标题样式</a:t>
             </a:r>
-          </a:p>
-        </p:txBody>
-      </p:sp>
-      <p:sp>
-        <p:nvSpPr>
-          <p:cNvPr id="3" name="内容占位符 2">
-            <a:extLst>
-              <a:ext uri="{FF2B5EF4-FFF2-40B4-BE49-F238E27FC236}">
-                <a16:creationId xmlns:a16="http://schemas.microsoft.com/office/drawing/2014/main" id="{16A89478-710E-4815-82DE-79EEBD04465C}"/>
-              </a:ext>
-            </a:extLst>
-          </p:cNvPr>
+            <a:endParaRPr lang="zh-CN" altLang="en-US"/>
+          </a:p>
+        </p:txBody>
+      </p:sp>
+      <p:sp>
+        <p:nvSpPr>
+          <p:cNvPr id="3" name="内容占位符 2"/>
           <p:cNvSpPr>
             <a:spLocks noGrp="1"/>
           </p:cNvSpPr>
@@ -2258,6 +1953,7 @@
               <a:rPr lang="zh-CN" altLang="en-US"/>
               <a:t>单击此处编辑母版文本样式</a:t>
             </a:r>
+            <a:endParaRPr lang="zh-CN" altLang="en-US"/>
           </a:p>
           <a:p>
             <a:pPr lvl="1"/>
@@ -2265,6 +1961,7 @@
               <a:rPr lang="zh-CN" altLang="en-US"/>
               <a:t>二级</a:t>
             </a:r>
+            <a:endParaRPr lang="zh-CN" altLang="en-US"/>
           </a:p>
           <a:p>
             <a:pPr lvl="2"/>
@@ -2272,6 +1969,7 @@
               <a:rPr lang="zh-CN" altLang="en-US"/>
               <a:t>三级</a:t>
             </a:r>
+            <a:endParaRPr lang="zh-CN" altLang="en-US"/>
           </a:p>
           <a:p>
             <a:pPr lvl="3"/>
@@ -2279,6 +1977,7 @@
               <a:rPr lang="zh-CN" altLang="en-US"/>
               <a:t>四级</a:t>
             </a:r>
+            <a:endParaRPr lang="zh-CN" altLang="en-US"/>
           </a:p>
           <a:p>
             <a:pPr lvl="4"/>
@@ -2286,18 +1985,13 @@
               <a:rPr lang="zh-CN" altLang="en-US"/>
               <a:t>五级</a:t>
             </a:r>
-          </a:p>
-        </p:txBody>
-      </p:sp>
-      <p:sp>
-        <p:nvSpPr>
-          <p:cNvPr id="4" name="文本占位符 3">
-            <a:extLst>
-              <a:ext uri="{FF2B5EF4-FFF2-40B4-BE49-F238E27FC236}">
-                <a16:creationId xmlns:a16="http://schemas.microsoft.com/office/drawing/2014/main" id="{E620148E-5976-4CAE-A7BB-9B252E789227}"/>
-              </a:ext>
-            </a:extLst>
-          </p:cNvPr>
+            <a:endParaRPr lang="zh-CN" altLang="en-US"/>
+          </a:p>
+        </p:txBody>
+      </p:sp>
+      <p:sp>
+        <p:nvSpPr>
+          <p:cNvPr id="4" name="文本占位符 3"/>
           <p:cNvSpPr>
             <a:spLocks noGrp="1"/>
           </p:cNvSpPr>
@@ -2357,18 +2051,13 @@
               <a:rPr lang="zh-CN" altLang="en-US"/>
               <a:t>单击此处编辑母版文本样式</a:t>
             </a:r>
-          </a:p>
-        </p:txBody>
-      </p:sp>
-      <p:sp>
-        <p:nvSpPr>
-          <p:cNvPr id="5" name="日期占位符 4">
-            <a:extLst>
-              <a:ext uri="{FF2B5EF4-FFF2-40B4-BE49-F238E27FC236}">
-                <a16:creationId xmlns:a16="http://schemas.microsoft.com/office/drawing/2014/main" id="{09FF2C1D-2E48-4E2B-AD47-36347FF3DEAB}"/>
-              </a:ext>
-            </a:extLst>
-          </p:cNvPr>
+            <a:endParaRPr lang="zh-CN" altLang="en-US"/>
+          </a:p>
+        </p:txBody>
+      </p:sp>
+      <p:sp>
+        <p:nvSpPr>
+          <p:cNvPr id="5" name="日期占位符 4"/>
           <p:cNvSpPr>
             <a:spLocks noGrp="1"/>
           </p:cNvSpPr>
@@ -2383,7 +2072,6 @@
           <a:p>
             <a:fld id="{E2490D4C-C468-4899-816A-26C8B60A3056}" type="datetimeFigureOut">
               <a:rPr lang="zh-CN" altLang="en-US" smtClean="0"/>
-              <a:t>2019/7/5</a:t>
             </a:fld>
             <a:endParaRPr lang="zh-CN" altLang="en-US"/>
           </a:p>
@@ -2391,13 +2079,7 @@
       </p:sp>
       <p:sp>
         <p:nvSpPr>
-          <p:cNvPr id="6" name="页脚占位符 5">
-            <a:extLst>
-              <a:ext uri="{FF2B5EF4-FFF2-40B4-BE49-F238E27FC236}">
-                <a16:creationId xmlns:a16="http://schemas.microsoft.com/office/drawing/2014/main" id="{AEF21EF2-FEEE-41AB-BA6E-42E29E631782}"/>
-              </a:ext>
-            </a:extLst>
-          </p:cNvPr>
+          <p:cNvPr id="6" name="页脚占位符 5"/>
           <p:cNvSpPr>
             <a:spLocks noGrp="1"/>
           </p:cNvSpPr>
@@ -2416,13 +2098,7 @@
       </p:sp>
       <p:sp>
         <p:nvSpPr>
-          <p:cNvPr id="7" name="灯片编号占位符 6">
-            <a:extLst>
-              <a:ext uri="{FF2B5EF4-FFF2-40B4-BE49-F238E27FC236}">
-                <a16:creationId xmlns:a16="http://schemas.microsoft.com/office/drawing/2014/main" id="{80C3B79E-8E1D-47D7-A32A-F2EC5E33750A}"/>
-              </a:ext>
-            </a:extLst>
-          </p:cNvPr>
+          <p:cNvPr id="7" name="灯片编号占位符 6"/>
           <p:cNvSpPr>
             <a:spLocks noGrp="1"/>
           </p:cNvSpPr>
@@ -2437,18 +2113,12 @@
           <a:p>
             <a:fld id="{427457EE-FBC2-4CD6-A21B-4A04498CC66E}" type="slidenum">
               <a:rPr lang="zh-CN" altLang="en-US" smtClean="0"/>
-              <a:t>‹#›</a:t>
             </a:fld>
             <a:endParaRPr lang="zh-CN" altLang="en-US"/>
           </a:p>
         </p:txBody>
       </p:sp>
     </p:spTree>
-    <p:extLst>
-      <p:ext uri="{BB962C8B-B14F-4D97-AF65-F5344CB8AC3E}">
-        <p14:creationId xmlns:p14="http://schemas.microsoft.com/office/powerpoint/2010/main" val="2342238568"/>
-      </p:ext>
-    </p:extLst>
   </p:cSld>
   <p:clrMapOvr>
     <a:masterClrMapping/>
@@ -2475,13 +2145,7 @@
       </p:grpSpPr>
       <p:sp>
         <p:nvSpPr>
-          <p:cNvPr id="2" name="标题 1">
-            <a:extLst>
-              <a:ext uri="{FF2B5EF4-FFF2-40B4-BE49-F238E27FC236}">
-                <a16:creationId xmlns:a16="http://schemas.microsoft.com/office/drawing/2014/main" id="{9B617829-7D30-4AF4-A602-FD3246C3DAFD}"/>
-              </a:ext>
-            </a:extLst>
-          </p:cNvPr>
+          <p:cNvPr id="2" name="标题 1"/>
           <p:cNvSpPr>
             <a:spLocks noGrp="1"/>
           </p:cNvSpPr>
@@ -2507,18 +2171,13 @@
               <a:rPr lang="zh-CN" altLang="en-US"/>
               <a:t>单击此处编辑母版标题样式</a:t>
             </a:r>
-          </a:p>
-        </p:txBody>
-      </p:sp>
-      <p:sp>
-        <p:nvSpPr>
-          <p:cNvPr id="3" name="图片占位符 2">
-            <a:extLst>
-              <a:ext uri="{FF2B5EF4-FFF2-40B4-BE49-F238E27FC236}">
-                <a16:creationId xmlns:a16="http://schemas.microsoft.com/office/drawing/2014/main" id="{3009EBDC-2620-488E-9BDC-FE81D97D5B82}"/>
-              </a:ext>
-            </a:extLst>
-          </p:cNvPr>
+            <a:endParaRPr lang="zh-CN" altLang="en-US"/>
+          </a:p>
+        </p:txBody>
+      </p:sp>
+      <p:sp>
+        <p:nvSpPr>
+          <p:cNvPr id="3" name="图片占位符 2"/>
           <p:cNvSpPr>
             <a:spLocks noGrp="1"/>
           </p:cNvSpPr>
@@ -2579,13 +2238,7 @@
       </p:sp>
       <p:sp>
         <p:nvSpPr>
-          <p:cNvPr id="4" name="文本占位符 3">
-            <a:extLst>
-              <a:ext uri="{FF2B5EF4-FFF2-40B4-BE49-F238E27FC236}">
-                <a16:creationId xmlns:a16="http://schemas.microsoft.com/office/drawing/2014/main" id="{2B85545A-091A-4205-BA15-742E85D9B71C}"/>
-              </a:ext>
-            </a:extLst>
-          </p:cNvPr>
+          <p:cNvPr id="4" name="文本占位符 3"/>
           <p:cNvSpPr>
             <a:spLocks noGrp="1"/>
           </p:cNvSpPr>
@@ -2645,18 +2298,13 @@
               <a:rPr lang="zh-CN" altLang="en-US"/>
               <a:t>单击此处编辑母版文本样式</a:t>
             </a:r>
-          </a:p>
-        </p:txBody>
-      </p:sp>
-      <p:sp>
-        <p:nvSpPr>
-          <p:cNvPr id="5" name="日期占位符 4">
-            <a:extLst>
-              <a:ext uri="{FF2B5EF4-FFF2-40B4-BE49-F238E27FC236}">
-                <a16:creationId xmlns:a16="http://schemas.microsoft.com/office/drawing/2014/main" id="{AD4C84CF-143B-4766-B0F3-CECD561682BC}"/>
-              </a:ext>
-            </a:extLst>
-          </p:cNvPr>
+            <a:endParaRPr lang="zh-CN" altLang="en-US"/>
+          </a:p>
+        </p:txBody>
+      </p:sp>
+      <p:sp>
+        <p:nvSpPr>
+          <p:cNvPr id="5" name="日期占位符 4"/>
           <p:cNvSpPr>
             <a:spLocks noGrp="1"/>
           </p:cNvSpPr>
@@ -2671,7 +2319,6 @@
           <a:p>
             <a:fld id="{E2490D4C-C468-4899-816A-26C8B60A3056}" type="datetimeFigureOut">
               <a:rPr lang="zh-CN" altLang="en-US" smtClean="0"/>
-              <a:t>2019/7/5</a:t>
             </a:fld>
             <a:endParaRPr lang="zh-CN" altLang="en-US"/>
           </a:p>
@@ -2679,13 +2326,7 @@
       </p:sp>
       <p:sp>
         <p:nvSpPr>
-          <p:cNvPr id="6" name="页脚占位符 5">
-            <a:extLst>
-              <a:ext uri="{FF2B5EF4-FFF2-40B4-BE49-F238E27FC236}">
-                <a16:creationId xmlns:a16="http://schemas.microsoft.com/office/drawing/2014/main" id="{8230AA1D-A2CB-4AB5-85B4-7C13864D7F5B}"/>
-              </a:ext>
-            </a:extLst>
-          </p:cNvPr>
+          <p:cNvPr id="6" name="页脚占位符 5"/>
           <p:cNvSpPr>
             <a:spLocks noGrp="1"/>
           </p:cNvSpPr>
@@ -2704,13 +2345,7 @@
       </p:sp>
       <p:sp>
         <p:nvSpPr>
-          <p:cNvPr id="7" name="灯片编号占位符 6">
-            <a:extLst>
-              <a:ext uri="{FF2B5EF4-FFF2-40B4-BE49-F238E27FC236}">
-                <a16:creationId xmlns:a16="http://schemas.microsoft.com/office/drawing/2014/main" id="{03FFB20F-14EA-477E-A135-B3AEEB4E4478}"/>
-              </a:ext>
-            </a:extLst>
-          </p:cNvPr>
+          <p:cNvPr id="7" name="灯片编号占位符 6"/>
           <p:cNvSpPr>
             <a:spLocks noGrp="1"/>
           </p:cNvSpPr>
@@ -2725,18 +2360,12 @@
           <a:p>
             <a:fld id="{427457EE-FBC2-4CD6-A21B-4A04498CC66E}" type="slidenum">
               <a:rPr lang="zh-CN" altLang="en-US" smtClean="0"/>
-              <a:t>‹#›</a:t>
             </a:fld>
             <a:endParaRPr lang="zh-CN" altLang="en-US"/>
           </a:p>
         </p:txBody>
       </p:sp>
     </p:spTree>
-    <p:extLst>
-      <p:ext uri="{BB962C8B-B14F-4D97-AF65-F5344CB8AC3E}">
-        <p14:creationId xmlns:p14="http://schemas.microsoft.com/office/powerpoint/2010/main" val="3600330823"/>
-      </p:ext>
-    </p:extLst>
   </p:cSld>
   <p:clrMapOvr>
     <a:masterClrMapping/>
@@ -2768,13 +2397,7 @@
       </p:grpSpPr>
       <p:sp>
         <p:nvSpPr>
-          <p:cNvPr id="2" name="标题占位符 1">
-            <a:extLst>
-              <a:ext uri="{FF2B5EF4-FFF2-40B4-BE49-F238E27FC236}">
-                <a16:creationId xmlns:a16="http://schemas.microsoft.com/office/drawing/2014/main" id="{F3FF1E99-79BA-4EA6-A1B2-E2C077650A91}"/>
-              </a:ext>
-            </a:extLst>
-          </p:cNvPr>
+          <p:cNvPr id="2" name="标题占位符 1"/>
           <p:cNvSpPr>
             <a:spLocks noGrp="1"/>
           </p:cNvSpPr>
@@ -2801,18 +2424,13 @@
               <a:rPr lang="zh-CN" altLang="en-US"/>
               <a:t>单击此处编辑母版标题样式</a:t>
             </a:r>
-          </a:p>
-        </p:txBody>
-      </p:sp>
-      <p:sp>
-        <p:nvSpPr>
-          <p:cNvPr id="3" name="文本占位符 2">
-            <a:extLst>
-              <a:ext uri="{FF2B5EF4-FFF2-40B4-BE49-F238E27FC236}">
-                <a16:creationId xmlns:a16="http://schemas.microsoft.com/office/drawing/2014/main" id="{6FA3418C-201F-4066-9A09-07629AFD0828}"/>
-              </a:ext>
-            </a:extLst>
-          </p:cNvPr>
+            <a:endParaRPr lang="zh-CN" altLang="en-US"/>
+          </a:p>
+        </p:txBody>
+      </p:sp>
+      <p:sp>
+        <p:nvSpPr>
+          <p:cNvPr id="3" name="文本占位符 2"/>
           <p:cNvSpPr>
             <a:spLocks noGrp="1"/>
           </p:cNvSpPr>
@@ -2840,6 +2458,7 @@
               <a:rPr lang="zh-CN" altLang="en-US"/>
               <a:t>单击此处编辑母版文本样式</a:t>
             </a:r>
+            <a:endParaRPr lang="zh-CN" altLang="en-US"/>
           </a:p>
           <a:p>
             <a:pPr lvl="1"/>
@@ -2847,6 +2466,7 @@
               <a:rPr lang="zh-CN" altLang="en-US"/>
               <a:t>二级</a:t>
             </a:r>
+            <a:endParaRPr lang="zh-CN" altLang="en-US"/>
           </a:p>
           <a:p>
             <a:pPr lvl="2"/>
@@ -2854,6 +2474,7 @@
               <a:rPr lang="zh-CN" altLang="en-US"/>
               <a:t>三级</a:t>
             </a:r>
+            <a:endParaRPr lang="zh-CN" altLang="en-US"/>
           </a:p>
           <a:p>
             <a:pPr lvl="3"/>
@@ -2861,6 +2482,7 @@
               <a:rPr lang="zh-CN" altLang="en-US"/>
               <a:t>四级</a:t>
             </a:r>
+            <a:endParaRPr lang="zh-CN" altLang="en-US"/>
           </a:p>
           <a:p>
             <a:pPr lvl="4"/>
@@ -2868,18 +2490,13 @@
               <a:rPr lang="zh-CN" altLang="en-US"/>
               <a:t>五级</a:t>
             </a:r>
-          </a:p>
-        </p:txBody>
-      </p:sp>
-      <p:sp>
-        <p:nvSpPr>
-          <p:cNvPr id="4" name="日期占位符 3">
-            <a:extLst>
-              <a:ext uri="{FF2B5EF4-FFF2-40B4-BE49-F238E27FC236}">
-                <a16:creationId xmlns:a16="http://schemas.microsoft.com/office/drawing/2014/main" id="{F4E04921-EC5E-415F-91FD-81AB879B3600}"/>
-              </a:ext>
-            </a:extLst>
-          </p:cNvPr>
+            <a:endParaRPr lang="zh-CN" altLang="en-US"/>
+          </a:p>
+        </p:txBody>
+      </p:sp>
+      <p:sp>
+        <p:nvSpPr>
+          <p:cNvPr id="4" name="日期占位符 3"/>
           <p:cNvSpPr>
             <a:spLocks noGrp="1"/>
           </p:cNvSpPr>
@@ -2912,7 +2529,6 @@
           <a:p>
             <a:fld id="{E2490D4C-C468-4899-816A-26C8B60A3056}" type="datetimeFigureOut">
               <a:rPr lang="zh-CN" altLang="en-US" smtClean="0"/>
-              <a:t>2019/7/5</a:t>
             </a:fld>
             <a:endParaRPr lang="zh-CN" altLang="en-US"/>
           </a:p>
@@ -2920,13 +2536,7 @@
       </p:sp>
       <p:sp>
         <p:nvSpPr>
-          <p:cNvPr id="5" name="页脚占位符 4">
-            <a:extLst>
-              <a:ext uri="{FF2B5EF4-FFF2-40B4-BE49-F238E27FC236}">
-                <a16:creationId xmlns:a16="http://schemas.microsoft.com/office/drawing/2014/main" id="{DFB30DC7-02C7-4333-A996-6F7F36B4EEB4}"/>
-              </a:ext>
-            </a:extLst>
-          </p:cNvPr>
+          <p:cNvPr id="5" name="页脚占位符 4"/>
           <p:cNvSpPr>
             <a:spLocks noGrp="1"/>
           </p:cNvSpPr>
@@ -2963,13 +2573,7 @@
       </p:sp>
       <p:sp>
         <p:nvSpPr>
-          <p:cNvPr id="6" name="灯片编号占位符 5">
-            <a:extLst>
-              <a:ext uri="{FF2B5EF4-FFF2-40B4-BE49-F238E27FC236}">
-                <a16:creationId xmlns:a16="http://schemas.microsoft.com/office/drawing/2014/main" id="{6C629599-1CED-4291-91E7-87812A177104}"/>
-              </a:ext>
-            </a:extLst>
-          </p:cNvPr>
+          <p:cNvPr id="6" name="灯片编号占位符 5"/>
           <p:cNvSpPr>
             <a:spLocks noGrp="1"/>
           </p:cNvSpPr>
@@ -3002,18 +2606,12 @@
           <a:p>
             <a:fld id="{427457EE-FBC2-4CD6-A21B-4A04498CC66E}" type="slidenum">
               <a:rPr lang="zh-CN" altLang="en-US" smtClean="0"/>
-              <a:t>‹#›</a:t>
             </a:fld>
             <a:endParaRPr lang="zh-CN" altLang="en-US"/>
           </a:p>
         </p:txBody>
       </p:sp>
     </p:spTree>
-    <p:extLst>
-      <p:ext uri="{BB962C8B-B14F-4D97-AF65-F5344CB8AC3E}">
-        <p14:creationId xmlns:p14="http://schemas.microsoft.com/office/powerpoint/2010/main" val="4146973378"/>
-      </p:ext>
-    </p:extLst>
   </p:cSld>
   <p:clrMap bg1="lt1" tx1="dk1" bg2="lt2" tx2="dk2" accent1="accent1" accent2="accent2" accent3="accent3" accent4="accent4" accent5="accent5" accent6="accent6" hlink="hlink" folHlink="folHlink"/>
   <p:sldLayoutIdLst>
@@ -3331,13 +2929,7 @@
       </p:grpSpPr>
       <p:sp>
         <p:nvSpPr>
-          <p:cNvPr id="2" name="标题 1">
-            <a:extLst>
-              <a:ext uri="{FF2B5EF4-FFF2-40B4-BE49-F238E27FC236}">
-                <a16:creationId xmlns:a16="http://schemas.microsoft.com/office/drawing/2014/main" id="{CB06EDB5-BD38-4360-9304-6F4675E6A9CD}"/>
-              </a:ext>
-            </a:extLst>
-          </p:cNvPr>
+          <p:cNvPr id="2" name="标题 1"/>
           <p:cNvSpPr>
             <a:spLocks noGrp="1"/>
           </p:cNvSpPr>
@@ -3363,15 +2955,11 @@
               <a:rPr lang="zh-CN" altLang="en-US" dirty="0"/>
               <a:t>基础框架搭建</a:t>
             </a:r>
+            <a:endParaRPr lang="zh-CN" altLang="en-US" dirty="0"/>
           </a:p>
         </p:txBody>
       </p:sp>
     </p:spTree>
-    <p:extLst>
-      <p:ext uri="{BB962C8B-B14F-4D97-AF65-F5344CB8AC3E}">
-        <p14:creationId xmlns:p14="http://schemas.microsoft.com/office/powerpoint/2010/main" val="798700366"/>
-      </p:ext>
-    </p:extLst>
   </p:cSld>
   <p:clrMapOvr>
     <a:masterClrMapping/>
@@ -3398,13 +2986,7 @@
       </p:grpSpPr>
       <p:sp>
         <p:nvSpPr>
-          <p:cNvPr id="2" name="标题 1">
-            <a:extLst>
-              <a:ext uri="{FF2B5EF4-FFF2-40B4-BE49-F238E27FC236}">
-                <a16:creationId xmlns:a16="http://schemas.microsoft.com/office/drawing/2014/main" id="{D02D7161-2828-45B7-A489-493FB2E9A8DB}"/>
-              </a:ext>
-            </a:extLst>
-          </p:cNvPr>
+          <p:cNvPr id="2" name="标题 1"/>
           <p:cNvSpPr>
             <a:spLocks noGrp="1"/>
           </p:cNvSpPr>
@@ -3421,18 +3003,13 @@
               <a:rPr lang="zh-CN" altLang="en-US" dirty="0"/>
               <a:t>目录的建立</a:t>
             </a:r>
-          </a:p>
-        </p:txBody>
-      </p:sp>
-      <p:sp>
-        <p:nvSpPr>
-          <p:cNvPr id="3" name="内容占位符 2">
-            <a:extLst>
-              <a:ext uri="{FF2B5EF4-FFF2-40B4-BE49-F238E27FC236}">
-                <a16:creationId xmlns:a16="http://schemas.microsoft.com/office/drawing/2014/main" id="{B6C7B0C1-3587-494A-B22D-3D9E823B7BD3}"/>
-              </a:ext>
-            </a:extLst>
-          </p:cNvPr>
+            <a:endParaRPr lang="zh-CN" altLang="en-US" dirty="0"/>
+          </a:p>
+        </p:txBody>
+      </p:sp>
+      <p:sp>
+        <p:nvSpPr>
+          <p:cNvPr id="3" name="内容占位符 2"/>
           <p:cNvSpPr>
             <a:spLocks noGrp="1"/>
           </p:cNvSpPr>
@@ -3461,6 +3038,7 @@
               <a:rPr lang="en-US" altLang="zh-CN" b="1" dirty="0"/>
               <a:t>Editor</a:t>
             </a:r>
+            <a:endParaRPr lang="en-US" altLang="zh-CN" b="1" dirty="0"/>
           </a:p>
           <a:p>
             <a:pPr lvl="1"/>
@@ -3468,6 +3046,7 @@
               <a:rPr lang="en-US" altLang="zh-CN" b="1" dirty="0"/>
               <a:t>Editor Default Resources</a:t>
             </a:r>
+            <a:endParaRPr lang="en-US" altLang="zh-CN" b="1" dirty="0"/>
           </a:p>
           <a:p>
             <a:pPr lvl="1"/>
@@ -3475,6 +3054,7 @@
               <a:rPr lang="en-US" altLang="zh-CN" b="1" dirty="0"/>
               <a:t>Gizmos</a:t>
             </a:r>
+            <a:endParaRPr lang="en-US" altLang="zh-CN" b="1" dirty="0"/>
           </a:p>
           <a:p>
             <a:pPr lvl="1"/>
@@ -3482,6 +3062,7 @@
               <a:rPr lang="en-US" altLang="zh-CN" b="1" dirty="0"/>
               <a:t>Resources</a:t>
             </a:r>
+            <a:endParaRPr lang="en-US" altLang="zh-CN" b="1" dirty="0"/>
           </a:p>
           <a:p>
             <a:pPr lvl="1"/>
@@ -3489,6 +3070,7 @@
               <a:rPr lang="en-US" altLang="zh-CN" b="1" dirty="0"/>
               <a:t>Stand Asset</a:t>
             </a:r>
+            <a:endParaRPr lang="en-US" altLang="zh-CN" b="1" dirty="0"/>
           </a:p>
           <a:p>
             <a:pPr lvl="1"/>
@@ -3496,6 +3078,14 @@
               <a:rPr lang="en-US" altLang="zh-CN" b="1" dirty="0" err="1"/>
               <a:t>StreamingAssets</a:t>
             </a:r>
+            <a:endParaRPr lang="en-US" altLang="zh-CN" b="1" dirty="0" err="1"/>
+          </a:p>
+          <a:p>
+            <a:pPr lvl="1"/>
+            <a:r>
+              <a:rPr lang="en-US" altLang="zh-CN" b="1" dirty="0" err="1"/>
+              <a:t>Plugins</a:t>
+            </a:r>
             <a:endParaRPr lang="en-US" altLang="zh-CN" b="1" dirty="0"/>
           </a:p>
           <a:p>
@@ -3505,11 +3095,6 @@
         </p:txBody>
       </p:sp>
     </p:spTree>
-    <p:extLst>
-      <p:ext uri="{BB962C8B-B14F-4D97-AF65-F5344CB8AC3E}">
-        <p14:creationId xmlns:p14="http://schemas.microsoft.com/office/powerpoint/2010/main" val="3317518821"/>
-      </p:ext>
-    </p:extLst>
   </p:cSld>
   <p:clrMapOvr>
     <a:masterClrMapping/>
@@ -3526,23 +3111,10 @@
         <p:cNvGrpSpPr/>
         <p:nvPr/>
       </p:nvGrpSpPr>
-      <p:grpSpPr>
-        <a:xfrm>
-          <a:off x="0" y="0"/>
-          <a:ext cx="0" cy="0"/>
-          <a:chOff x="0" y="0"/>
-          <a:chExt cx="0" cy="0"/>
-        </a:xfrm>
-      </p:grpSpPr>
-      <p:sp>
-        <p:nvSpPr>
-          <p:cNvPr id="2" name="标题 1">
-            <a:extLst>
-              <a:ext uri="{FF2B5EF4-FFF2-40B4-BE49-F238E27FC236}">
-                <a16:creationId xmlns:a16="http://schemas.microsoft.com/office/drawing/2014/main" id="{E6686A4E-F0EA-46A7-A83F-EEA438540D59}"/>
-              </a:ext>
-            </a:extLst>
-          </p:cNvPr>
+      <p:grpSpPr/>
+      <p:sp>
+        <p:nvSpPr>
+          <p:cNvPr id="2" name="标题 1"/>
           <p:cNvSpPr>
             <a:spLocks noGrp="1"/>
           </p:cNvSpPr>
@@ -3553,24 +3125,18 @@
         <p:spPr/>
         <p:txBody>
           <a:bodyPr/>
-          <a:lstStyle/>
-          <a:p>
-            <a:r>
-              <a:rPr lang="zh-CN" altLang="en-US" dirty="0"/>
-              <a:t>组件循环</a:t>
-            </a:r>
-          </a:p>
-        </p:txBody>
-      </p:sp>
-      <p:sp>
-        <p:nvSpPr>
-          <p:cNvPr id="3" name="内容占位符 2">
-            <a:extLst>
-              <a:ext uri="{FF2B5EF4-FFF2-40B4-BE49-F238E27FC236}">
-                <a16:creationId xmlns:a16="http://schemas.microsoft.com/office/drawing/2014/main" id="{66805DE8-F376-41EA-875F-3887E1996EDD}"/>
-              </a:ext>
-            </a:extLst>
-          </p:cNvPr>
+          <a:p>
+            <a:r>
+              <a:rPr lang="zh-CN" altLang="en-US"/>
+              <a:t>日志系统</a:t>
+            </a:r>
+            <a:endParaRPr lang="en-US" altLang="zh-CN"/>
+          </a:p>
+        </p:txBody>
+      </p:sp>
+      <p:sp>
+        <p:nvSpPr>
+          <p:cNvPr id="3" name="内容占位符 2"/>
           <p:cNvSpPr>
             <a:spLocks noGrp="1"/>
           </p:cNvSpPr>
@@ -3581,50 +3147,58 @@
         <p:spPr/>
         <p:txBody>
           <a:bodyPr/>
-          <a:lstStyle/>
-          <a:p>
-            <a:r>
-              <a:rPr lang="en-US" altLang="zh-CN" dirty="0" err="1"/>
-              <a:t>UIMgr</a:t>
-            </a:r>
-            <a:endParaRPr lang="en-US" altLang="zh-CN" dirty="0"/>
-          </a:p>
-          <a:p>
-            <a:r>
-              <a:rPr lang="en-US" altLang="zh-CN" dirty="0" err="1"/>
-              <a:t>NetMgr</a:t>
-            </a:r>
-            <a:endParaRPr lang="en-US" altLang="zh-CN" dirty="0"/>
-          </a:p>
-          <a:p>
-            <a:r>
-              <a:rPr lang="en-US" altLang="zh-CN" dirty="0" err="1"/>
-              <a:t>SceneMgr</a:t>
-            </a:r>
-            <a:endParaRPr lang="en-US" altLang="zh-CN" dirty="0"/>
-          </a:p>
-          <a:p>
-            <a:r>
-              <a:rPr lang="en-US" altLang="zh-CN" dirty="0" err="1"/>
-              <a:t>ResourceMgr</a:t>
-            </a:r>
-            <a:endParaRPr lang="en-US" altLang="zh-CN" dirty="0"/>
-          </a:p>
-          <a:p>
-            <a:r>
-              <a:rPr lang="en-US" altLang="zh-CN" dirty="0" err="1"/>
-              <a:t>LocalData</a:t>
-            </a:r>
-            <a:endParaRPr lang="zh-CN" altLang="en-US" dirty="0"/>
-          </a:p>
-        </p:txBody>
-      </p:sp>
+          <a:p>
+            <a:r>
+              <a:rPr lang="zh-CN" altLang="en-US"/>
+              <a:t>使用宏注释</a:t>
+            </a:r>
+            <a:endParaRPr lang="zh-CN" altLang="en-US"/>
+          </a:p>
+          <a:p>
+            <a:r>
+              <a:rPr lang="en-US" altLang="zh-CN"/>
+              <a:t>Unity-&gt;ProjectSetting-&gt;Player</a:t>
+            </a:r>
+            <a:r>
+              <a:rPr lang="zh-CN" altLang="en-US"/>
+              <a:t>：</a:t>
+            </a:r>
+            <a:r>
+              <a:rPr lang="en-US" altLang="zh-CN"/>
+              <a:t>Loggin</a:t>
+            </a:r>
+            <a:endParaRPr lang="en-US" altLang="zh-CN"/>
+          </a:p>
+          <a:p>
+            <a:endParaRPr lang="en-US" altLang="zh-CN"/>
+          </a:p>
+        </p:txBody>
+      </p:sp>
+      <p:pic>
+        <p:nvPicPr>
+          <p:cNvPr id="4" name="图片 3"/>
+          <p:cNvPicPr>
+            <a:picLocks noChangeAspect="1"/>
+          </p:cNvPicPr>
+          <p:nvPr/>
+        </p:nvPicPr>
+        <p:blipFill>
+          <a:blip r:embed="rId1"/>
+          <a:stretch>
+            <a:fillRect/>
+          </a:stretch>
+        </p:blipFill>
+        <p:spPr>
+          <a:xfrm>
+            <a:off x="1144270" y="3283585"/>
+            <a:ext cx="4876800" cy="1619250"/>
+          </a:xfrm>
+          <a:prstGeom prst="rect">
+            <a:avLst/>
+          </a:prstGeom>
+        </p:spPr>
+      </p:pic>
     </p:spTree>
-    <p:extLst>
-      <p:ext uri="{BB962C8B-B14F-4D97-AF65-F5344CB8AC3E}">
-        <p14:creationId xmlns:p14="http://schemas.microsoft.com/office/powerpoint/2010/main" val="3537372987"/>
-      </p:ext>
-    </p:extLst>
   </p:cSld>
   <p:clrMapOvr>
     <a:masterClrMapping/>
@@ -3649,15 +3223,108 @@
           <a:chExt cx="0" cy="0"/>
         </a:xfrm>
       </p:grpSpPr>
+      <p:sp>
+        <p:nvSpPr>
+          <p:cNvPr id="2" name="标题 1"/>
+          <p:cNvSpPr>
+            <a:spLocks noGrp="1"/>
+          </p:cNvSpPr>
+          <p:nvPr>
+            <p:ph type="title"/>
+          </p:nvPr>
+        </p:nvSpPr>
+        <p:spPr/>
+        <p:txBody>
+          <a:bodyPr/>
+          <a:lstStyle/>
+          <a:p>
+            <a:r>
+              <a:rPr lang="zh-CN" altLang="en-US" dirty="0"/>
+              <a:t>组件循环</a:t>
+            </a:r>
+            <a:endParaRPr lang="zh-CN" altLang="en-US" dirty="0"/>
+          </a:p>
+        </p:txBody>
+      </p:sp>
+      <p:sp>
+        <p:nvSpPr>
+          <p:cNvPr id="3" name="内容占位符 2"/>
+          <p:cNvSpPr>
+            <a:spLocks noGrp="1"/>
+          </p:cNvSpPr>
+          <p:nvPr>
+            <p:ph idx="1"/>
+          </p:nvPr>
+        </p:nvSpPr>
+        <p:spPr/>
+        <p:txBody>
+          <a:bodyPr/>
+          <a:lstStyle/>
+          <a:p>
+            <a:r>
+              <a:rPr lang="en-US" altLang="zh-CN" dirty="0" err="1"/>
+              <a:t>UIMgr</a:t>
+            </a:r>
+            <a:endParaRPr lang="en-US" altLang="zh-CN" dirty="0"/>
+          </a:p>
+          <a:p>
+            <a:r>
+              <a:rPr lang="en-US" altLang="zh-CN" dirty="0" err="1"/>
+              <a:t>NetMgr</a:t>
+            </a:r>
+            <a:endParaRPr lang="en-US" altLang="zh-CN" dirty="0"/>
+          </a:p>
+          <a:p>
+            <a:r>
+              <a:rPr lang="en-US" altLang="zh-CN" dirty="0" err="1"/>
+              <a:t>SceneMgr</a:t>
+            </a:r>
+            <a:endParaRPr lang="en-US" altLang="zh-CN" dirty="0"/>
+          </a:p>
+          <a:p>
+            <a:r>
+              <a:rPr lang="en-US" altLang="zh-CN" dirty="0" err="1"/>
+              <a:t>ResourceMgr</a:t>
+            </a:r>
+            <a:endParaRPr lang="en-US" altLang="zh-CN" dirty="0"/>
+          </a:p>
+          <a:p>
+            <a:r>
+              <a:rPr lang="en-US" altLang="zh-CN" dirty="0" err="1"/>
+              <a:t>LocalData</a:t>
+            </a:r>
+            <a:endParaRPr lang="zh-CN" altLang="en-US" dirty="0"/>
+          </a:p>
+        </p:txBody>
+      </p:sp>
+    </p:spTree>
+  </p:cSld>
+  <p:clrMapOvr>
+    <a:masterClrMapping/>
+  </p:clrMapOvr>
+</p:sld>
+</file>
+
+<file path=ppt/slides/slide5.xml><?xml version="1.0" encoding="utf-8"?>
+<p:sld xmlns:a="http://schemas.openxmlformats.org/drawingml/2006/main" xmlns:r="http://schemas.openxmlformats.org/officeDocument/2006/relationships" xmlns:p="http://schemas.openxmlformats.org/presentationml/2006/main">
+  <p:cSld>
+    <p:spTree>
+      <p:nvGrpSpPr>
+        <p:cNvPr id="1" name=""/>
+        <p:cNvGrpSpPr/>
+        <p:nvPr/>
+      </p:nvGrpSpPr>
+      <p:grpSpPr>
+        <a:xfrm>
+          <a:off x="0" y="0"/>
+          <a:ext cx="0" cy="0"/>
+          <a:chOff x="0" y="0"/>
+          <a:chExt cx="0" cy="0"/>
+        </a:xfrm>
+      </p:grpSpPr>
       <p:pic>
         <p:nvPicPr>
-          <p:cNvPr id="7" name="内容占位符 6">
-            <a:extLst>
-              <a:ext uri="{FF2B5EF4-FFF2-40B4-BE49-F238E27FC236}">
-                <a16:creationId xmlns:a16="http://schemas.microsoft.com/office/drawing/2014/main" id="{58BCFE37-6A6D-4742-9F7A-71E90750C0A3}"/>
-              </a:ext>
-            </a:extLst>
-          </p:cNvPr>
+          <p:cNvPr id="7" name="内容占位符 6"/>
           <p:cNvPicPr>
             <a:picLocks noGrp="1" noChangeAspect="1"/>
           </p:cNvPicPr>
@@ -3666,7 +3333,7 @@
           </p:nvPr>
         </p:nvPicPr>
         <p:blipFill>
-          <a:blip r:embed="rId2"/>
+          <a:blip r:embed="rId1"/>
           <a:stretch>
             <a:fillRect/>
           </a:stretch>
@@ -3682,11 +3349,144 @@
         </p:spPr>
       </p:pic>
     </p:spTree>
-    <p:extLst>
-      <p:ext uri="{BB962C8B-B14F-4D97-AF65-F5344CB8AC3E}">
-        <p14:creationId xmlns:p14="http://schemas.microsoft.com/office/powerpoint/2010/main" val="3383211905"/>
-      </p:ext>
-    </p:extLst>
+  </p:cSld>
+  <p:clrMapOvr>
+    <a:masterClrMapping/>
+  </p:clrMapOvr>
+</p:sld>
+</file>
+
+<file path=ppt/slides/slide6.xml><?xml version="1.0" encoding="utf-8"?>
+<p:sld xmlns:a="http://schemas.openxmlformats.org/drawingml/2006/main" xmlns:r="http://schemas.openxmlformats.org/officeDocument/2006/relationships" xmlns:p="http://schemas.openxmlformats.org/presentationml/2006/main">
+  <p:cSld>
+    <p:spTree>
+      <p:nvGrpSpPr>
+        <p:cNvPr id="1" name=""/>
+        <p:cNvGrpSpPr/>
+        <p:nvPr/>
+      </p:nvGrpSpPr>
+      <p:grpSpPr/>
+      <p:sp>
+        <p:nvSpPr>
+          <p:cNvPr id="2" name="标题 1"/>
+          <p:cNvSpPr>
+            <a:spLocks noGrp="1"/>
+          </p:cNvSpPr>
+          <p:nvPr>
+            <p:ph type="title"/>
+          </p:nvPr>
+        </p:nvSpPr>
+        <p:spPr/>
+        <p:txBody>
+          <a:bodyPr/>
+          <a:p>
+            <a:r>
+              <a:rPr lang="zh-CN" altLang="en-US"/>
+              <a:t>场景管理</a:t>
+            </a:r>
+            <a:endParaRPr lang="zh-CN" altLang="en-US"/>
+          </a:p>
+        </p:txBody>
+      </p:sp>
+      <p:sp>
+        <p:nvSpPr>
+          <p:cNvPr id="3" name="内容占位符 2"/>
+          <p:cNvSpPr>
+            <a:spLocks noGrp="1"/>
+          </p:cNvSpPr>
+          <p:nvPr>
+            <p:ph idx="1"/>
+          </p:nvPr>
+        </p:nvSpPr>
+        <p:spPr/>
+        <p:txBody>
+          <a:bodyPr/>
+          <a:p>
+            <a:r>
+              <a:rPr lang="zh-CN" altLang="en-US"/>
+              <a:t>封装创建的变化</a:t>
+            </a:r>
+            <a:endParaRPr lang="zh-CN" altLang="en-US"/>
+          </a:p>
+          <a:p>
+            <a:r>
+              <a:rPr lang="zh-CN" altLang="en-US"/>
+              <a:t>实现同步异步加载</a:t>
+            </a:r>
+            <a:endParaRPr lang="zh-CN" altLang="en-US"/>
+          </a:p>
+          <a:p>
+            <a:r>
+              <a:rPr lang="zh-CN" altLang="en-US"/>
+              <a:t>资源与场景剥离</a:t>
+            </a:r>
+            <a:endParaRPr lang="zh-CN" altLang="en-US"/>
+          </a:p>
+        </p:txBody>
+      </p:sp>
+    </p:spTree>
+  </p:cSld>
+  <p:clrMapOvr>
+    <a:masterClrMapping/>
+  </p:clrMapOvr>
+</p:sld>
+</file>
+
+<file path=ppt/slides/slide7.xml><?xml version="1.0" encoding="utf-8"?>
+<p:sld xmlns:a="http://schemas.openxmlformats.org/drawingml/2006/main" xmlns:r="http://schemas.openxmlformats.org/officeDocument/2006/relationships" xmlns:p="http://schemas.openxmlformats.org/presentationml/2006/main">
+  <p:cSld>
+    <p:spTree>
+      <p:nvGrpSpPr>
+        <p:cNvPr id="1" name=""/>
+        <p:cNvGrpSpPr/>
+        <p:nvPr/>
+      </p:nvGrpSpPr>
+      <p:grpSpPr/>
+      <p:sp>
+        <p:nvSpPr>
+          <p:cNvPr id="2" name="标题 1"/>
+          <p:cNvSpPr>
+            <a:spLocks noGrp="1"/>
+          </p:cNvSpPr>
+          <p:nvPr>
+            <p:ph type="title"/>
+          </p:nvPr>
+        </p:nvSpPr>
+        <p:spPr/>
+        <p:txBody>
+          <a:bodyPr/>
+          <a:p>
+            <a:r>
+              <a:rPr lang="en-US" altLang="zh-CN"/>
+              <a:t>Resources</a:t>
+            </a:r>
+            <a:endParaRPr lang="en-US" altLang="zh-CN"/>
+          </a:p>
+        </p:txBody>
+      </p:sp>
+      <p:sp>
+        <p:nvSpPr>
+          <p:cNvPr id="3" name="内容占位符 2"/>
+          <p:cNvSpPr>
+            <a:spLocks noGrp="1"/>
+          </p:cNvSpPr>
+          <p:nvPr>
+            <p:ph idx="1"/>
+          </p:nvPr>
+        </p:nvSpPr>
+        <p:spPr/>
+        <p:txBody>
+          <a:bodyPr/>
+          <a:p>
+            <a:r>
+              <a:rPr lang="zh-CN" altLang="en-US"/>
+              <a:t>抽象加载资源接口</a:t>
+            </a:r>
+            <a:endParaRPr lang="zh-CN" altLang="en-US"/>
+          </a:p>
+        </p:txBody>
+      </p:sp>
+    </p:spTree>
   </p:cSld>
   <p:clrMapOvr>
     <a:masterClrMapping/>
@@ -3737,7 +3537,7 @@
     </a:clrScheme>
     <a:fontScheme name="Office">
       <a:majorFont>
-        <a:latin typeface="等线 Light" panose="020F0302020204030204"/>
+        <a:latin typeface="等线 Light"/>
         <a:ea typeface=""/>
         <a:cs typeface=""/>
         <a:font script="Jpan" typeface="游ゴシック Light"/>
@@ -3770,26 +3570,9 @@
         <a:font script="Viet" typeface="Times New Roman"/>
         <a:font script="Uigh" typeface="Microsoft Uighur"/>
         <a:font script="Geor" typeface="Sylfaen"/>
-        <a:font script="Armn" typeface="Arial"/>
-        <a:font script="Bugi" typeface="Leelawadee UI"/>
-        <a:font script="Bopo" typeface="Microsoft JhengHei"/>
-        <a:font script="Java" typeface="Javanese Text"/>
-        <a:font script="Lisu" typeface="Segoe UI"/>
-        <a:font script="Mymr" typeface="Myanmar Text"/>
-        <a:font script="Nkoo" typeface="Ebrima"/>
-        <a:font script="Olck" typeface="Nirmala UI"/>
-        <a:font script="Osma" typeface="Ebrima"/>
-        <a:font script="Phag" typeface="Phagspa"/>
-        <a:font script="Syrn" typeface="Estrangelo Edessa"/>
-        <a:font script="Syrj" typeface="Estrangelo Edessa"/>
-        <a:font script="Syre" typeface="Estrangelo Edessa"/>
-        <a:font script="Sora" typeface="Nirmala UI"/>
-        <a:font script="Tale" typeface="Microsoft Tai Le"/>
-        <a:font script="Talu" typeface="Microsoft New Tai Lue"/>
-        <a:font script="Tfng" typeface="Ebrima"/>
       </a:majorFont>
       <a:minorFont>
-        <a:latin typeface="等线" panose="020F0502020204030204"/>
+        <a:latin typeface="等线"/>
         <a:ea typeface=""/>
         <a:cs typeface=""/>
         <a:font script="Jpan" typeface="游ゴシック"/>
@@ -3822,23 +3605,6 @@
         <a:font script="Viet" typeface="Arial"/>
         <a:font script="Uigh" typeface="Microsoft Uighur"/>
         <a:font script="Geor" typeface="Sylfaen"/>
-        <a:font script="Armn" typeface="Arial"/>
-        <a:font script="Bugi" typeface="Leelawadee UI"/>
-        <a:font script="Bopo" typeface="Microsoft JhengHei"/>
-        <a:font script="Java" typeface="Javanese Text"/>
-        <a:font script="Lisu" typeface="Segoe UI"/>
-        <a:font script="Mymr" typeface="Myanmar Text"/>
-        <a:font script="Nkoo" typeface="Ebrima"/>
-        <a:font script="Olck" typeface="Nirmala UI"/>
-        <a:font script="Osma" typeface="Ebrima"/>
-        <a:font script="Phag" typeface="Phagspa"/>
-        <a:font script="Syrn" typeface="Estrangelo Edessa"/>
-        <a:font script="Syrj" typeface="Estrangelo Edessa"/>
-        <a:font script="Syre" typeface="Estrangelo Edessa"/>
-        <a:font script="Sora" typeface="Nirmala UI"/>
-        <a:font script="Tale" typeface="Microsoft Tai Le"/>
-        <a:font script="Talu" typeface="Microsoft New Tai Lue"/>
-        <a:font script="Tfng" typeface="Ebrima"/>
       </a:minorFont>
     </a:fontScheme>
     <a:fmtScheme name="Office">
@@ -3979,8 +3745,6 @@
       </a:bgFillStyleLst>
     </a:fmtScheme>
   </a:themeElements>
-  <a:objectDefaults/>
-  <a:extraClrSchemeLst/>
   <a:extLst>
     <a:ext uri="{05A4C25C-085E-4340-85A3-A5531E510DB2}">
       <thm15:themeFamily xmlns:thm15="http://schemas.microsoft.com/office/thememl/2012/main" name="Office Theme" id="{62F939B6-93AF-4DB8-9C6B-D6C7DFDC589F}" vid="{4A3C46E8-61CC-4603-A589-7422A47A8E4A}"/>
